--- a/Docs/litrature Review/CDU screens for VHF radio.pptx
+++ b/Docs/litrature Review/CDU screens for VHF radio.pptx
@@ -1,17 +1,17 @@
 
 <file path=ppt/presentation.xml><?xml version="1.0" encoding="utf-8"?>
-<p:presentation xmlns:a="http://schemas.openxmlformats.org/drawingml/2006/main" xmlns:r="http://schemas.openxmlformats.org/officeDocument/2006/relationships" xmlns:p="http://schemas.openxmlformats.org/presentationml/2006/main" saveSubsetFonts="1">
+<p:presentation xmlns:a="http://schemas.openxmlformats.org/drawingml/2006/main" xmlns:r="http://schemas.openxmlformats.org/officeDocument/2006/relationships" xmlns:p="http://schemas.openxmlformats.org/presentationml/2006/main">
   <p:sldMasterIdLst>
     <p:sldMasterId id="2147483648" r:id="rId1"/>
   </p:sldMasterIdLst>
   <p:notesMasterIdLst>
-    <p:notesMasterId r:id="rId6"/>
+    <p:notesMasterId r:id="rId5"/>
   </p:notesMasterIdLst>
   <p:sldIdLst>
-    <p:sldId id="256" r:id="rId2"/>
-    <p:sldId id="257" r:id="rId3"/>
-    <p:sldId id="258" r:id="rId4"/>
-    <p:sldId id="259" r:id="rId5"/>
+    <p:sldId id="256" r:id="rId3"/>
+    <p:sldId id="257" r:id="rId4"/>
+    <p:sldId id="258" r:id="rId6"/>
+    <p:sldId id="259" r:id="rId7"/>
   </p:sldIdLst>
   <p:sldSz cx="9144000" cy="6858000" type="screen4x3"/>
   <p:notesSz cx="6858000" cy="9144000"/>
@@ -110,6 +110,22 @@
       </a:defRPr>
     </a:lvl9pPr>
   </p:defaultTextStyle>
+  <p:extLst>
+    <p:ext uri="{EFAFB233-063F-42B5-8137-9DF3F51BA10A}">
+      <p15:sldGuideLst xmlns:p15="http://schemas.microsoft.com/office/powerpoint/2012/main">
+        <p15:guide id="1" orient="horz" pos="2160" userDrawn="1">
+          <p15:clr>
+            <a:srgbClr val="A4A3A4"/>
+          </p15:clr>
+        </p15:guide>
+        <p15:guide id="2" pos="2880" userDrawn="1">
+          <p15:clr>
+            <a:srgbClr val="A4A3A4"/>
+          </p15:clr>
+        </p15:guide>
+      </p15:sldGuideLst>
+    </p:ext>
+  </p:extLst>
 </p:presentation>
 </file>
 
@@ -195,7 +211,6 @@
           <a:p>
             <a:fld id="{E8BC084C-3441-4103-97B3-1C2D6499E797}" type="datetimeFigureOut">
               <a:rPr lang="en-US" smtClean="0"/>
-              <a:t>9/24/2024</a:t>
             </a:fld>
             <a:endParaRPr lang="en-US"/>
           </a:p>
@@ -264,6 +279,7 @@
               <a:rPr lang="en-US" smtClean="0"/>
               <a:t>Click to edit Master text styles</a:t>
             </a:r>
+            <a:endParaRPr lang="en-US" smtClean="0"/>
           </a:p>
           <a:p>
             <a:pPr lvl="1"/>
@@ -271,6 +287,7 @@
               <a:rPr lang="en-US" smtClean="0"/>
               <a:t>Second level</a:t>
             </a:r>
+            <a:endParaRPr lang="en-US" smtClean="0"/>
           </a:p>
           <a:p>
             <a:pPr lvl="2"/>
@@ -278,6 +295,7 @@
               <a:rPr lang="en-US" smtClean="0"/>
               <a:t>Third level</a:t>
             </a:r>
+            <a:endParaRPr lang="en-US" smtClean="0"/>
           </a:p>
           <a:p>
             <a:pPr lvl="3"/>
@@ -285,6 +303,7 @@
               <a:rPr lang="en-US" smtClean="0"/>
               <a:t>Fourth level</a:t>
             </a:r>
+            <a:endParaRPr lang="en-US" smtClean="0"/>
           </a:p>
           <a:p>
             <a:pPr lvl="4"/>
@@ -356,7 +375,6 @@
           <a:p>
             <a:fld id="{330405F8-7F25-4E46-A78B-7E63C5A41242}" type="slidenum">
               <a:rPr lang="en-US" smtClean="0"/>
-              <a:t>‹#›</a:t>
             </a:fld>
             <a:endParaRPr lang="en-US"/>
           </a:p>
@@ -878,7 +896,6 @@
           <a:p>
             <a:fld id="{7EA311A9-736C-49CD-9B76-2F4BA29DF03A}" type="datetimeFigureOut">
               <a:rPr lang="en-US" smtClean="0"/>
-              <a:t>9/24/2024</a:t>
             </a:fld>
             <a:endParaRPr lang="en-US"/>
           </a:p>
@@ -920,7 +937,6 @@
           <a:p>
             <a:fld id="{652D0096-4A75-477C-B33E-AE4D3431209B}" type="slidenum">
               <a:rPr lang="en-US" smtClean="0"/>
-              <a:t>‹#›</a:t>
             </a:fld>
             <a:endParaRPr lang="en-US"/>
           </a:p>
@@ -994,6 +1010,7 @@
               <a:rPr lang="en-US" smtClean="0"/>
               <a:t>Click to edit Master text styles</a:t>
             </a:r>
+            <a:endParaRPr lang="en-US" smtClean="0"/>
           </a:p>
           <a:p>
             <a:pPr lvl="1"/>
@@ -1001,6 +1018,7 @@
               <a:rPr lang="en-US" smtClean="0"/>
               <a:t>Second level</a:t>
             </a:r>
+            <a:endParaRPr lang="en-US" smtClean="0"/>
           </a:p>
           <a:p>
             <a:pPr lvl="2"/>
@@ -1008,6 +1026,7 @@
               <a:rPr lang="en-US" smtClean="0"/>
               <a:t>Third level</a:t>
             </a:r>
+            <a:endParaRPr lang="en-US" smtClean="0"/>
           </a:p>
           <a:p>
             <a:pPr lvl="3"/>
@@ -1015,6 +1034,7 @@
               <a:rPr lang="en-US" smtClean="0"/>
               <a:t>Fourth level</a:t>
             </a:r>
+            <a:endParaRPr lang="en-US" smtClean="0"/>
           </a:p>
           <a:p>
             <a:pPr lvl="4"/>
@@ -1043,7 +1063,6 @@
           <a:p>
             <a:fld id="{7EA311A9-736C-49CD-9B76-2F4BA29DF03A}" type="datetimeFigureOut">
               <a:rPr lang="en-US" smtClean="0"/>
-              <a:t>9/24/2024</a:t>
             </a:fld>
             <a:endParaRPr lang="en-US"/>
           </a:p>
@@ -1085,7 +1104,6 @@
           <a:p>
             <a:fld id="{652D0096-4A75-477C-B33E-AE4D3431209B}" type="slidenum">
               <a:rPr lang="en-US" smtClean="0"/>
-              <a:t>‹#›</a:t>
             </a:fld>
             <a:endParaRPr lang="en-US"/>
           </a:p>
@@ -1169,6 +1187,7 @@
               <a:rPr lang="en-US" smtClean="0"/>
               <a:t>Click to edit Master text styles</a:t>
             </a:r>
+            <a:endParaRPr lang="en-US" smtClean="0"/>
           </a:p>
           <a:p>
             <a:pPr lvl="1"/>
@@ -1176,6 +1195,7 @@
               <a:rPr lang="en-US" smtClean="0"/>
               <a:t>Second level</a:t>
             </a:r>
+            <a:endParaRPr lang="en-US" smtClean="0"/>
           </a:p>
           <a:p>
             <a:pPr lvl="2"/>
@@ -1183,6 +1203,7 @@
               <a:rPr lang="en-US" smtClean="0"/>
               <a:t>Third level</a:t>
             </a:r>
+            <a:endParaRPr lang="en-US" smtClean="0"/>
           </a:p>
           <a:p>
             <a:pPr lvl="3"/>
@@ -1190,6 +1211,7 @@
               <a:rPr lang="en-US" smtClean="0"/>
               <a:t>Fourth level</a:t>
             </a:r>
+            <a:endParaRPr lang="en-US" smtClean="0"/>
           </a:p>
           <a:p>
             <a:pPr lvl="4"/>
@@ -1218,7 +1240,6 @@
           <a:p>
             <a:fld id="{7EA311A9-736C-49CD-9B76-2F4BA29DF03A}" type="datetimeFigureOut">
               <a:rPr lang="en-US" smtClean="0"/>
-              <a:t>9/24/2024</a:t>
             </a:fld>
             <a:endParaRPr lang="en-US"/>
           </a:p>
@@ -1260,7 +1281,6 @@
           <a:p>
             <a:fld id="{652D0096-4A75-477C-B33E-AE4D3431209B}" type="slidenum">
               <a:rPr lang="en-US" smtClean="0"/>
-              <a:t>‹#›</a:t>
             </a:fld>
             <a:endParaRPr lang="en-US"/>
           </a:p>
@@ -1334,6 +1354,7 @@
               <a:rPr lang="en-US" smtClean="0"/>
               <a:t>Click to edit Master text styles</a:t>
             </a:r>
+            <a:endParaRPr lang="en-US" smtClean="0"/>
           </a:p>
           <a:p>
             <a:pPr lvl="1"/>
@@ -1341,6 +1362,7 @@
               <a:rPr lang="en-US" smtClean="0"/>
               <a:t>Second level</a:t>
             </a:r>
+            <a:endParaRPr lang="en-US" smtClean="0"/>
           </a:p>
           <a:p>
             <a:pPr lvl="2"/>
@@ -1348,6 +1370,7 @@
               <a:rPr lang="en-US" smtClean="0"/>
               <a:t>Third level</a:t>
             </a:r>
+            <a:endParaRPr lang="en-US" smtClean="0"/>
           </a:p>
           <a:p>
             <a:pPr lvl="3"/>
@@ -1355,6 +1378,7 @@
               <a:rPr lang="en-US" smtClean="0"/>
               <a:t>Fourth level</a:t>
             </a:r>
+            <a:endParaRPr lang="en-US" smtClean="0"/>
           </a:p>
           <a:p>
             <a:pPr lvl="4"/>
@@ -1383,7 +1407,6 @@
           <a:p>
             <a:fld id="{7EA311A9-736C-49CD-9B76-2F4BA29DF03A}" type="datetimeFigureOut">
               <a:rPr lang="en-US" smtClean="0"/>
-              <a:t>9/24/2024</a:t>
             </a:fld>
             <a:endParaRPr lang="en-US"/>
           </a:p>
@@ -1425,7 +1448,6 @@
           <a:p>
             <a:fld id="{652D0096-4A75-477C-B33E-AE4D3431209B}" type="slidenum">
               <a:rPr lang="en-US" smtClean="0"/>
-              <a:t>‹#›</a:t>
             </a:fld>
             <a:endParaRPr lang="en-US"/>
           </a:p>
@@ -1604,6 +1626,7 @@
               <a:rPr lang="en-US" smtClean="0"/>
               <a:t>Click to edit Master text styles</a:t>
             </a:r>
+            <a:endParaRPr lang="en-US" smtClean="0"/>
           </a:p>
         </p:txBody>
       </p:sp>
@@ -1624,7 +1647,6 @@
           <a:p>
             <a:fld id="{7EA311A9-736C-49CD-9B76-2F4BA29DF03A}" type="datetimeFigureOut">
               <a:rPr lang="en-US" smtClean="0"/>
-              <a:t>9/24/2024</a:t>
             </a:fld>
             <a:endParaRPr lang="en-US"/>
           </a:p>
@@ -1666,7 +1688,6 @@
           <a:p>
             <a:fld id="{652D0096-4A75-477C-B33E-AE4D3431209B}" type="slidenum">
               <a:rPr lang="en-US" smtClean="0"/>
-              <a:t>‹#›</a:t>
             </a:fld>
             <a:endParaRPr lang="en-US"/>
           </a:p>
@@ -1773,6 +1794,7 @@
               <a:rPr lang="en-US" smtClean="0"/>
               <a:t>Click to edit Master text styles</a:t>
             </a:r>
+            <a:endParaRPr lang="en-US" smtClean="0"/>
           </a:p>
           <a:p>
             <a:pPr lvl="1"/>
@@ -1780,6 +1802,7 @@
               <a:rPr lang="en-US" smtClean="0"/>
               <a:t>Second level</a:t>
             </a:r>
+            <a:endParaRPr lang="en-US" smtClean="0"/>
           </a:p>
           <a:p>
             <a:pPr lvl="2"/>
@@ -1787,6 +1810,7 @@
               <a:rPr lang="en-US" smtClean="0"/>
               <a:t>Third level</a:t>
             </a:r>
+            <a:endParaRPr lang="en-US" smtClean="0"/>
           </a:p>
           <a:p>
             <a:pPr lvl="3"/>
@@ -1794,6 +1818,7 @@
               <a:rPr lang="en-US" smtClean="0"/>
               <a:t>Fourth level</a:t>
             </a:r>
+            <a:endParaRPr lang="en-US" smtClean="0"/>
           </a:p>
           <a:p>
             <a:pPr lvl="4"/>
@@ -1858,6 +1883,7 @@
               <a:rPr lang="en-US" smtClean="0"/>
               <a:t>Click to edit Master text styles</a:t>
             </a:r>
+            <a:endParaRPr lang="en-US" smtClean="0"/>
           </a:p>
           <a:p>
             <a:pPr lvl="1"/>
@@ -1865,6 +1891,7 @@
               <a:rPr lang="en-US" smtClean="0"/>
               <a:t>Second level</a:t>
             </a:r>
+            <a:endParaRPr lang="en-US" smtClean="0"/>
           </a:p>
           <a:p>
             <a:pPr lvl="2"/>
@@ -1872,6 +1899,7 @@
               <a:rPr lang="en-US" smtClean="0"/>
               <a:t>Third level</a:t>
             </a:r>
+            <a:endParaRPr lang="en-US" smtClean="0"/>
           </a:p>
           <a:p>
             <a:pPr lvl="3"/>
@@ -1879,6 +1907,7 @@
               <a:rPr lang="en-US" smtClean="0"/>
               <a:t>Fourth level</a:t>
             </a:r>
+            <a:endParaRPr lang="en-US" smtClean="0"/>
           </a:p>
           <a:p>
             <a:pPr lvl="4"/>
@@ -1907,7 +1936,6 @@
           <a:p>
             <a:fld id="{7EA311A9-736C-49CD-9B76-2F4BA29DF03A}" type="datetimeFigureOut">
               <a:rPr lang="en-US" smtClean="0"/>
-              <a:t>9/24/2024</a:t>
             </a:fld>
             <a:endParaRPr lang="en-US"/>
           </a:p>
@@ -1949,7 +1977,6 @@
           <a:p>
             <a:fld id="{652D0096-4A75-477C-B33E-AE4D3431209B}" type="slidenum">
               <a:rPr lang="en-US" smtClean="0"/>
-              <a:t>‹#›</a:t>
             </a:fld>
             <a:endParaRPr lang="en-US"/>
           </a:p>
@@ -2069,6 +2096,7 @@
               <a:rPr lang="en-US" smtClean="0"/>
               <a:t>Click to edit Master text styles</a:t>
             </a:r>
+            <a:endParaRPr lang="en-US" smtClean="0"/>
           </a:p>
         </p:txBody>
       </p:sp>
@@ -2125,6 +2153,7 @@
               <a:rPr lang="en-US" smtClean="0"/>
               <a:t>Click to edit Master text styles</a:t>
             </a:r>
+            <a:endParaRPr lang="en-US" smtClean="0"/>
           </a:p>
           <a:p>
             <a:pPr lvl="1"/>
@@ -2132,6 +2161,7 @@
               <a:rPr lang="en-US" smtClean="0"/>
               <a:t>Second level</a:t>
             </a:r>
+            <a:endParaRPr lang="en-US" smtClean="0"/>
           </a:p>
           <a:p>
             <a:pPr lvl="2"/>
@@ -2139,6 +2169,7 @@
               <a:rPr lang="en-US" smtClean="0"/>
               <a:t>Third level</a:t>
             </a:r>
+            <a:endParaRPr lang="en-US" smtClean="0"/>
           </a:p>
           <a:p>
             <a:pPr lvl="3"/>
@@ -2146,6 +2177,7 @@
               <a:rPr lang="en-US" smtClean="0"/>
               <a:t>Fourth level</a:t>
             </a:r>
+            <a:endParaRPr lang="en-US" smtClean="0"/>
           </a:p>
           <a:p>
             <a:pPr lvl="4"/>
@@ -2219,6 +2251,7 @@
               <a:rPr lang="en-US" smtClean="0"/>
               <a:t>Click to edit Master text styles</a:t>
             </a:r>
+            <a:endParaRPr lang="en-US" smtClean="0"/>
           </a:p>
         </p:txBody>
       </p:sp>
@@ -2275,6 +2308,7 @@
               <a:rPr lang="en-US" smtClean="0"/>
               <a:t>Click to edit Master text styles</a:t>
             </a:r>
+            <a:endParaRPr lang="en-US" smtClean="0"/>
           </a:p>
           <a:p>
             <a:pPr lvl="1"/>
@@ -2282,6 +2316,7 @@
               <a:rPr lang="en-US" smtClean="0"/>
               <a:t>Second level</a:t>
             </a:r>
+            <a:endParaRPr lang="en-US" smtClean="0"/>
           </a:p>
           <a:p>
             <a:pPr lvl="2"/>
@@ -2289,6 +2324,7 @@
               <a:rPr lang="en-US" smtClean="0"/>
               <a:t>Third level</a:t>
             </a:r>
+            <a:endParaRPr lang="en-US" smtClean="0"/>
           </a:p>
           <a:p>
             <a:pPr lvl="3"/>
@@ -2296,6 +2332,7 @@
               <a:rPr lang="en-US" smtClean="0"/>
               <a:t>Fourth level</a:t>
             </a:r>
+            <a:endParaRPr lang="en-US" smtClean="0"/>
           </a:p>
           <a:p>
             <a:pPr lvl="4"/>
@@ -2324,7 +2361,6 @@
           <a:p>
             <a:fld id="{7EA311A9-736C-49CD-9B76-2F4BA29DF03A}" type="datetimeFigureOut">
               <a:rPr lang="en-US" smtClean="0"/>
-              <a:t>9/24/2024</a:t>
             </a:fld>
             <a:endParaRPr lang="en-US"/>
           </a:p>
@@ -2366,7 +2402,6 @@
           <a:p>
             <a:fld id="{652D0096-4A75-477C-B33E-AE4D3431209B}" type="slidenum">
               <a:rPr lang="en-US" smtClean="0"/>
-              <a:t>‹#›</a:t>
             </a:fld>
             <a:endParaRPr lang="en-US"/>
           </a:p>
@@ -2437,7 +2472,6 @@
           <a:p>
             <a:fld id="{7EA311A9-736C-49CD-9B76-2F4BA29DF03A}" type="datetimeFigureOut">
               <a:rPr lang="en-US" smtClean="0"/>
-              <a:t>9/24/2024</a:t>
             </a:fld>
             <a:endParaRPr lang="en-US"/>
           </a:p>
@@ -2479,7 +2513,6 @@
           <a:p>
             <a:fld id="{652D0096-4A75-477C-B33E-AE4D3431209B}" type="slidenum">
               <a:rPr lang="en-US" smtClean="0"/>
-              <a:t>‹#›</a:t>
             </a:fld>
             <a:endParaRPr lang="en-US"/>
           </a:p>
@@ -2527,7 +2560,6 @@
           <a:p>
             <a:fld id="{7EA311A9-736C-49CD-9B76-2F4BA29DF03A}" type="datetimeFigureOut">
               <a:rPr lang="en-US" smtClean="0"/>
-              <a:t>9/24/2024</a:t>
             </a:fld>
             <a:endParaRPr lang="en-US"/>
           </a:p>
@@ -2569,7 +2601,6 @@
           <a:p>
             <a:fld id="{652D0096-4A75-477C-B33E-AE4D3431209B}" type="slidenum">
               <a:rPr lang="en-US" smtClean="0"/>
-              <a:t>‹#›</a:t>
             </a:fld>
             <a:endParaRPr lang="en-US"/>
           </a:p>
@@ -2685,6 +2716,7 @@
               <a:rPr lang="en-US" smtClean="0"/>
               <a:t>Click to edit Master text styles</a:t>
             </a:r>
+            <a:endParaRPr lang="en-US" smtClean="0"/>
           </a:p>
           <a:p>
             <a:pPr lvl="1"/>
@@ -2692,6 +2724,7 @@
               <a:rPr lang="en-US" smtClean="0"/>
               <a:t>Second level</a:t>
             </a:r>
+            <a:endParaRPr lang="en-US" smtClean="0"/>
           </a:p>
           <a:p>
             <a:pPr lvl="2"/>
@@ -2699,6 +2732,7 @@
               <a:rPr lang="en-US" smtClean="0"/>
               <a:t>Third level</a:t>
             </a:r>
+            <a:endParaRPr lang="en-US" smtClean="0"/>
           </a:p>
           <a:p>
             <a:pPr lvl="3"/>
@@ -2706,6 +2740,7 @@
               <a:rPr lang="en-US" smtClean="0"/>
               <a:t>Fourth level</a:t>
             </a:r>
+            <a:endParaRPr lang="en-US" smtClean="0"/>
           </a:p>
           <a:p>
             <a:pPr lvl="4"/>
@@ -2779,6 +2814,7 @@
               <a:rPr lang="en-US" smtClean="0"/>
               <a:t>Click to edit Master text styles</a:t>
             </a:r>
+            <a:endParaRPr lang="en-US" smtClean="0"/>
           </a:p>
         </p:txBody>
       </p:sp>
@@ -2799,7 +2835,6 @@
           <a:p>
             <a:fld id="{7EA311A9-736C-49CD-9B76-2F4BA29DF03A}" type="datetimeFigureOut">
               <a:rPr lang="en-US" smtClean="0"/>
-              <a:t>9/24/2024</a:t>
             </a:fld>
             <a:endParaRPr lang="en-US"/>
           </a:p>
@@ -2841,7 +2876,6 @@
           <a:p>
             <a:fld id="{652D0096-4A75-477C-B33E-AE4D3431209B}" type="slidenum">
               <a:rPr lang="en-US" smtClean="0"/>
-              <a:t>‹#›</a:t>
             </a:fld>
             <a:endParaRPr lang="en-US"/>
           </a:p>
@@ -3027,6 +3061,7 @@
               <a:rPr lang="en-US" smtClean="0"/>
               <a:t>Click to edit Master text styles</a:t>
             </a:r>
+            <a:endParaRPr lang="en-US" smtClean="0"/>
           </a:p>
         </p:txBody>
       </p:sp>
@@ -3047,7 +3082,6 @@
           <a:p>
             <a:fld id="{7EA311A9-736C-49CD-9B76-2F4BA29DF03A}" type="datetimeFigureOut">
               <a:rPr lang="en-US" smtClean="0"/>
-              <a:t>9/24/2024</a:t>
             </a:fld>
             <a:endParaRPr lang="en-US"/>
           </a:p>
@@ -3089,7 +3123,6 @@
           <a:p>
             <a:fld id="{652D0096-4A75-477C-B33E-AE4D3431209B}" type="slidenum">
               <a:rPr lang="en-US" smtClean="0"/>
-              <a:t>‹#›</a:t>
             </a:fld>
             <a:endParaRPr lang="en-US"/>
           </a:p>
@@ -3188,6 +3221,7 @@
               <a:rPr lang="en-US" smtClean="0"/>
               <a:t>Click to edit Master text styles</a:t>
             </a:r>
+            <a:endParaRPr lang="en-US" smtClean="0"/>
           </a:p>
           <a:p>
             <a:pPr lvl="1"/>
@@ -3195,6 +3229,7 @@
               <a:rPr lang="en-US" smtClean="0"/>
               <a:t>Second level</a:t>
             </a:r>
+            <a:endParaRPr lang="en-US" smtClean="0"/>
           </a:p>
           <a:p>
             <a:pPr lvl="2"/>
@@ -3202,6 +3237,7 @@
               <a:rPr lang="en-US" smtClean="0"/>
               <a:t>Third level</a:t>
             </a:r>
+            <a:endParaRPr lang="en-US" smtClean="0"/>
           </a:p>
           <a:p>
             <a:pPr lvl="3"/>
@@ -3209,6 +3245,7 @@
               <a:rPr lang="en-US" smtClean="0"/>
               <a:t>Fourth level</a:t>
             </a:r>
+            <a:endParaRPr lang="en-US" smtClean="0"/>
           </a:p>
           <a:p>
             <a:pPr lvl="4"/>
@@ -3255,7 +3292,6 @@
           <a:p>
             <a:fld id="{7EA311A9-736C-49CD-9B76-2F4BA29DF03A}" type="datetimeFigureOut">
               <a:rPr lang="en-US" smtClean="0"/>
-              <a:t>9/24/2024</a:t>
             </a:fld>
             <a:endParaRPr lang="en-US"/>
           </a:p>
@@ -3333,7 +3369,6 @@
           <a:p>
             <a:fld id="{652D0096-4A75-477C-B33E-AE4D3431209B}" type="slidenum">
               <a:rPr lang="en-US" smtClean="0"/>
-              <a:t>‹#›</a:t>
             </a:fld>
             <a:endParaRPr lang="en-US"/>
           </a:p>
@@ -3377,7 +3412,7 @@
         <a:spcBef>
           <a:spcPct val="20000"/>
         </a:spcBef>
-        <a:buFont typeface="Arial" pitchFamily="34" charset="0"/>
+        <a:buFont typeface="Arial" panose="020B0604020202020204" pitchFamily="34" charset="0"/>
         <a:buChar char="•"/>
         <a:defRPr sz="3200" kern="1200">
           <a:solidFill>
@@ -3392,7 +3427,7 @@
         <a:spcBef>
           <a:spcPct val="20000"/>
         </a:spcBef>
-        <a:buFont typeface="Arial" pitchFamily="34" charset="0"/>
+        <a:buFont typeface="Arial" panose="020B0604020202020204" pitchFamily="34" charset="0"/>
         <a:buChar char="–"/>
         <a:defRPr sz="2800" kern="1200">
           <a:solidFill>
@@ -3407,7 +3442,7 @@
         <a:spcBef>
           <a:spcPct val="20000"/>
         </a:spcBef>
-        <a:buFont typeface="Arial" pitchFamily="34" charset="0"/>
+        <a:buFont typeface="Arial" panose="020B0604020202020204" pitchFamily="34" charset="0"/>
         <a:buChar char="•"/>
         <a:defRPr sz="2400" kern="1200">
           <a:solidFill>
@@ -3422,7 +3457,7 @@
         <a:spcBef>
           <a:spcPct val="20000"/>
         </a:spcBef>
-        <a:buFont typeface="Arial" pitchFamily="34" charset="0"/>
+        <a:buFont typeface="Arial" panose="020B0604020202020204" pitchFamily="34" charset="0"/>
         <a:buChar char="–"/>
         <a:defRPr sz="2000" kern="1200">
           <a:solidFill>
@@ -3437,7 +3472,7 @@
         <a:spcBef>
           <a:spcPct val="20000"/>
         </a:spcBef>
-        <a:buFont typeface="Arial" pitchFamily="34" charset="0"/>
+        <a:buFont typeface="Arial" panose="020B0604020202020204" pitchFamily="34" charset="0"/>
         <a:buChar char="»"/>
         <a:defRPr sz="2000" kern="1200">
           <a:solidFill>
@@ -3452,7 +3487,7 @@
         <a:spcBef>
           <a:spcPct val="20000"/>
         </a:spcBef>
-        <a:buFont typeface="Arial" pitchFamily="34" charset="0"/>
+        <a:buFont typeface="Arial" panose="020B0604020202020204" pitchFamily="34" charset="0"/>
         <a:buChar char="•"/>
         <a:defRPr sz="2000" kern="1200">
           <a:solidFill>
@@ -3467,7 +3502,7 @@
         <a:spcBef>
           <a:spcPct val="20000"/>
         </a:spcBef>
-        <a:buFont typeface="Arial" pitchFamily="34" charset="0"/>
+        <a:buFont typeface="Arial" panose="020B0604020202020204" pitchFamily="34" charset="0"/>
         <a:buChar char="•"/>
         <a:defRPr sz="2000" kern="1200">
           <a:solidFill>
@@ -3482,7 +3517,7 @@
         <a:spcBef>
           <a:spcPct val="20000"/>
         </a:spcBef>
-        <a:buFont typeface="Arial" pitchFamily="34" charset="0"/>
+        <a:buFont typeface="Arial" panose="020B0604020202020204" pitchFamily="34" charset="0"/>
         <a:buChar char="•"/>
         <a:defRPr sz="2000" kern="1200">
           <a:solidFill>
@@ -3497,7 +3532,7 @@
         <a:spcBef>
           <a:spcPct val="20000"/>
         </a:spcBef>
-        <a:buFont typeface="Arial" pitchFamily="34" charset="0"/>
+        <a:buFont typeface="Arial" panose="020B0604020202020204" pitchFamily="34" charset="0"/>
         <a:buChar char="•"/>
         <a:defRPr sz="2000" kern="1200">
           <a:solidFill>
@@ -3862,9 +3897,9 @@
               <a:buNone/>
             </a:pPr>
             <a:endParaRPr lang="en-US" sz="1600" dirty="0">
-              <a:latin typeface="Arial" pitchFamily="18"/>
-              <a:ea typeface="Microsoft YaHei" pitchFamily="2"/>
-              <a:cs typeface="Lucida Sans" pitchFamily="2"/>
+              <a:latin typeface="Arial" panose="020B0604020202020204" pitchFamily="18"/>
+              <a:ea typeface="Microsoft YaHei" panose="020B0503020204020204" pitchFamily="2" charset="-122"/>
+              <a:cs typeface="Lucida Sans" panose="020B0602030504020204" pitchFamily="2"/>
             </a:endParaRPr>
           </a:p>
         </p:txBody>
@@ -3985,12 +4020,12 @@
               <a:gd name="f98" fmla="*/ f95 f29 1"/>
             </a:gdLst>
             <a:ahLst>
-              <a:ahXY gdRefX="f0" minX="f7" maxX="f10" gdRefY="" minY="0" maxY="0">
+              <a:ahXY gdRefX="f0" minX="f7" maxX="f10">
                 <a:pos x="f36" y="f37"/>
               </a:ahXY>
             </a:ahLst>
             <a:cxnLst>
-              <a:cxn ang="3cd4">
+              <a:cxn ang="3">
                 <a:pos x="hc" y="t"/>
               </a:cxn>
               <a:cxn ang="0">
@@ -4095,9 +4130,9 @@
               <a:buNone/>
             </a:pPr>
             <a:endParaRPr lang="en-US" sz="1600" dirty="0">
-              <a:latin typeface="Arial" pitchFamily="18"/>
-              <a:ea typeface="Microsoft YaHei" pitchFamily="2"/>
-              <a:cs typeface="Lucida Sans" pitchFamily="2"/>
+              <a:latin typeface="Arial" panose="020B0604020202020204" pitchFamily="18"/>
+              <a:ea typeface="Microsoft YaHei" panose="020B0503020204020204" pitchFamily="2" charset="-122"/>
+              <a:cs typeface="Lucida Sans" panose="020B0602030504020204" pitchFamily="2"/>
             </a:endParaRPr>
           </a:p>
         </p:txBody>
@@ -4218,12 +4253,12 @@
               <a:gd name="f98" fmla="*/ f95 f29 1"/>
             </a:gdLst>
             <a:ahLst>
-              <a:ahXY gdRefX="f0" minX="f7" maxX="f10" gdRefY="" minY="0" maxY="0">
+              <a:ahXY gdRefX="f0" minX="f7" maxX="f10">
                 <a:pos x="f36" y="f37"/>
               </a:ahXY>
             </a:ahLst>
             <a:cxnLst>
-              <a:cxn ang="3cd4">
+              <a:cxn ang="3">
                 <a:pos x="hc" y="t"/>
               </a:cxn>
               <a:cxn ang="0">
@@ -4328,9 +4363,9 @@
               <a:buNone/>
             </a:pPr>
             <a:endParaRPr lang="en-US" sz="1600" dirty="0">
-              <a:latin typeface="Arial" pitchFamily="18"/>
-              <a:ea typeface="Microsoft YaHei" pitchFamily="2"/>
-              <a:cs typeface="Lucida Sans" pitchFamily="2"/>
+              <a:latin typeface="Arial" panose="020B0604020202020204" pitchFamily="18"/>
+              <a:ea typeface="Microsoft YaHei" panose="020B0503020204020204" pitchFamily="2" charset="-122"/>
+              <a:cs typeface="Lucida Sans" panose="020B0602030504020204" pitchFamily="2"/>
             </a:endParaRPr>
           </a:p>
         </p:txBody>
@@ -4451,12 +4486,12 @@
               <a:gd name="f98" fmla="*/ f95 f29 1"/>
             </a:gdLst>
             <a:ahLst>
-              <a:ahXY gdRefX="f0" minX="f7" maxX="f10" gdRefY="" minY="0" maxY="0">
+              <a:ahXY gdRefX="f0" minX="f7" maxX="f10">
                 <a:pos x="f36" y="f37"/>
               </a:ahXY>
             </a:ahLst>
             <a:cxnLst>
-              <a:cxn ang="3cd4">
+              <a:cxn ang="3">
                 <a:pos x="hc" y="t"/>
               </a:cxn>
               <a:cxn ang="0">
@@ -4561,9 +4596,9 @@
               <a:buNone/>
             </a:pPr>
             <a:endParaRPr lang="en-US" sz="1600" dirty="0">
-              <a:latin typeface="Arial" pitchFamily="18"/>
-              <a:ea typeface="Microsoft YaHei" pitchFamily="2"/>
-              <a:cs typeface="Lucida Sans" pitchFamily="2"/>
+              <a:latin typeface="Arial" panose="020B0604020202020204" pitchFamily="18"/>
+              <a:ea typeface="Microsoft YaHei" panose="020B0503020204020204" pitchFamily="2" charset="-122"/>
+              <a:cs typeface="Lucida Sans" panose="020B0602030504020204" pitchFamily="2"/>
             </a:endParaRPr>
           </a:p>
         </p:txBody>
@@ -4684,12 +4719,12 @@
               <a:gd name="f98" fmla="*/ f95 f29 1"/>
             </a:gdLst>
             <a:ahLst>
-              <a:ahXY gdRefX="f0" minX="f7" maxX="f10" gdRefY="" minY="0" maxY="0">
+              <a:ahXY gdRefX="f0" minX="f7" maxX="f10">
                 <a:pos x="f36" y="f37"/>
               </a:ahXY>
             </a:ahLst>
             <a:cxnLst>
-              <a:cxn ang="3cd4">
+              <a:cxn ang="3">
                 <a:pos x="hc" y="t"/>
               </a:cxn>
               <a:cxn ang="0">
@@ -4794,9 +4829,9 @@
               <a:buNone/>
             </a:pPr>
             <a:endParaRPr lang="en-US" sz="1600" dirty="0">
-              <a:latin typeface="Arial" pitchFamily="18"/>
-              <a:ea typeface="Microsoft YaHei" pitchFamily="2"/>
-              <a:cs typeface="Lucida Sans" pitchFamily="2"/>
+              <a:latin typeface="Arial" panose="020B0604020202020204" pitchFamily="18"/>
+              <a:ea typeface="Microsoft YaHei" panose="020B0503020204020204" pitchFamily="2" charset="-122"/>
+              <a:cs typeface="Lucida Sans" panose="020B0602030504020204" pitchFamily="2"/>
             </a:endParaRPr>
           </a:p>
         </p:txBody>
@@ -4886,12 +4921,20 @@
                 <a:solidFill>
                   <a:srgbClr val="FF0000"/>
                 </a:solidFill>
-                <a:latin typeface="Arial" pitchFamily="18"/>
-                <a:ea typeface="Microsoft YaHei" pitchFamily="2"/>
-                <a:cs typeface="Lucida Sans" pitchFamily="2"/>
+                <a:latin typeface="Arial" panose="020B0604020202020204" pitchFamily="18"/>
+                <a:ea typeface="Microsoft YaHei" panose="020B0503020204020204" pitchFamily="2" charset="-122"/>
+                <a:cs typeface="Lucida Sans" panose="020B0602030504020204" pitchFamily="2"/>
               </a:rPr>
               <a:t>NAV </a:t>
             </a:r>
+            <a:endParaRPr lang="en-US" sz="1300" dirty="0">
+              <a:solidFill>
+                <a:srgbClr val="FF0000"/>
+              </a:solidFill>
+              <a:latin typeface="Arial" panose="020B0604020202020204" pitchFamily="18"/>
+              <a:ea typeface="Microsoft YaHei" panose="020B0503020204020204" pitchFamily="2" charset="-122"/>
+              <a:cs typeface="Lucida Sans" panose="020B0602030504020204" pitchFamily="2"/>
+            </a:endParaRPr>
           </a:p>
         </p:txBody>
       </p:sp>
@@ -4980,12 +5023,20 @@
                 <a:solidFill>
                   <a:srgbClr val="FF0000"/>
                 </a:solidFill>
-                <a:latin typeface="Arial" pitchFamily="18"/>
-                <a:ea typeface="Microsoft YaHei" pitchFamily="2"/>
-                <a:cs typeface="Lucida Sans" pitchFamily="2"/>
+                <a:latin typeface="Arial" panose="020B0604020202020204" pitchFamily="18"/>
+                <a:ea typeface="Microsoft YaHei" panose="020B0503020204020204" pitchFamily="2" charset="-122"/>
+                <a:cs typeface="Lucida Sans" panose="020B0602030504020204" pitchFamily="2"/>
               </a:rPr>
               <a:t>ADF</a:t>
             </a:r>
+            <a:endParaRPr lang="en-US" sz="1300" dirty="0">
+              <a:solidFill>
+                <a:srgbClr val="FF0000"/>
+              </a:solidFill>
+              <a:latin typeface="Arial" panose="020B0604020202020204" pitchFamily="18"/>
+              <a:ea typeface="Microsoft YaHei" panose="020B0503020204020204" pitchFamily="2" charset="-122"/>
+              <a:cs typeface="Lucida Sans" panose="020B0602030504020204" pitchFamily="2"/>
+            </a:endParaRPr>
           </a:p>
         </p:txBody>
       </p:sp>
@@ -5074,12 +5125,20 @@
                 <a:solidFill>
                   <a:srgbClr val="FF0000"/>
                 </a:solidFill>
-                <a:latin typeface="Arial" pitchFamily="18"/>
-                <a:ea typeface="Microsoft YaHei" pitchFamily="2"/>
-                <a:cs typeface="Lucida Sans" pitchFamily="2"/>
+                <a:latin typeface="Arial" panose="020B0604020202020204" pitchFamily="18"/>
+                <a:ea typeface="Microsoft YaHei" panose="020B0503020204020204" pitchFamily="2" charset="-122"/>
+                <a:cs typeface="Lucida Sans" panose="020B0602030504020204" pitchFamily="2"/>
               </a:rPr>
               <a:t>TACAN</a:t>
             </a:r>
+            <a:endParaRPr lang="en-US" sz="1300" dirty="0">
+              <a:solidFill>
+                <a:srgbClr val="FF0000"/>
+              </a:solidFill>
+              <a:latin typeface="Arial" panose="020B0604020202020204" pitchFamily="18"/>
+              <a:ea typeface="Microsoft YaHei" panose="020B0503020204020204" pitchFamily="2" charset="-122"/>
+              <a:cs typeface="Lucida Sans" panose="020B0602030504020204" pitchFamily="2"/>
+            </a:endParaRPr>
           </a:p>
         </p:txBody>
       </p:sp>
@@ -5168,12 +5227,20 @@
                 <a:solidFill>
                   <a:srgbClr val="FF0000"/>
                 </a:solidFill>
-                <a:latin typeface="Arial" pitchFamily="18"/>
-                <a:ea typeface="Microsoft YaHei" pitchFamily="2"/>
-                <a:cs typeface="Lucida Sans" pitchFamily="2"/>
+                <a:latin typeface="Arial" panose="020B0604020202020204" pitchFamily="18"/>
+                <a:ea typeface="Microsoft YaHei" panose="020B0503020204020204" pitchFamily="2" charset="-122"/>
+                <a:cs typeface="Lucida Sans" panose="020B0602030504020204" pitchFamily="2"/>
               </a:rPr>
               <a:t>M/B</a:t>
             </a:r>
+            <a:endParaRPr lang="en-US" sz="1300" dirty="0">
+              <a:solidFill>
+                <a:srgbClr val="FF0000"/>
+              </a:solidFill>
+              <a:latin typeface="Arial" panose="020B0604020202020204" pitchFamily="18"/>
+              <a:ea typeface="Microsoft YaHei" panose="020B0503020204020204" pitchFamily="2" charset="-122"/>
+              <a:cs typeface="Lucida Sans" panose="020B0602030504020204" pitchFamily="2"/>
+            </a:endParaRPr>
           </a:p>
         </p:txBody>
       </p:sp>
@@ -5259,16 +5326,16 @@
             </a:pPr>
             <a:r>
               <a:rPr lang="en-US" sz="1600" dirty="0" smtClean="0">
-                <a:latin typeface="Arial" pitchFamily="18"/>
-                <a:ea typeface="Microsoft YaHei" pitchFamily="2"/>
-                <a:cs typeface="Lucida Sans" pitchFamily="2"/>
+                <a:latin typeface="Arial" panose="020B0604020202020204" pitchFamily="18"/>
+                <a:ea typeface="Microsoft YaHei" panose="020B0503020204020204" pitchFamily="2" charset="-122"/>
+                <a:cs typeface="Lucida Sans" panose="020B0602030504020204" pitchFamily="2"/>
               </a:rPr>
               <a:t>HOME</a:t>
             </a:r>
             <a:endParaRPr lang="en-US" sz="1600" dirty="0">
-              <a:latin typeface="Arial" pitchFamily="18"/>
-              <a:ea typeface="Microsoft YaHei" pitchFamily="2"/>
-              <a:cs typeface="Lucida Sans" pitchFamily="2"/>
+              <a:latin typeface="Arial" panose="020B0604020202020204" pitchFamily="18"/>
+              <a:ea typeface="Microsoft YaHei" panose="020B0503020204020204" pitchFamily="2" charset="-122"/>
+              <a:cs typeface="Lucida Sans" panose="020B0602030504020204" pitchFamily="2"/>
             </a:endParaRPr>
           </a:p>
         </p:txBody>
@@ -5389,12 +5456,12 @@
               <a:gd name="f98" fmla="*/ f95 f29 1"/>
             </a:gdLst>
             <a:ahLst>
-              <a:ahXY gdRefX="f0" minX="f7" maxX="f10" gdRefY="" minY="0" maxY="0">
+              <a:ahXY gdRefX="f0" minX="f7" maxX="f10">
                 <a:pos x="f36" y="f37"/>
               </a:ahXY>
             </a:ahLst>
             <a:cxnLst>
-              <a:cxn ang="3cd4">
+              <a:cxn ang="3">
                 <a:pos x="hc" y="t"/>
               </a:cxn>
               <a:cxn ang="0">
@@ -5499,9 +5566,9 @@
               <a:buNone/>
             </a:pPr>
             <a:endParaRPr lang="en-US" sz="1600" dirty="0">
-              <a:latin typeface="Arial" pitchFamily="18"/>
-              <a:ea typeface="Microsoft YaHei" pitchFamily="2"/>
-              <a:cs typeface="Lucida Sans" pitchFamily="2"/>
+              <a:latin typeface="Arial" panose="020B0604020202020204" pitchFamily="18"/>
+              <a:ea typeface="Microsoft YaHei" panose="020B0503020204020204" pitchFamily="2" charset="-122"/>
+              <a:cs typeface="Lucida Sans" panose="020B0602030504020204" pitchFamily="2"/>
             </a:endParaRPr>
           </a:p>
         </p:txBody>
@@ -5622,12 +5689,12 @@
               <a:gd name="f98" fmla="*/ f95 f29 1"/>
             </a:gdLst>
             <a:ahLst>
-              <a:ahXY gdRefX="f0" minX="f7" maxX="f10" gdRefY="" minY="0" maxY="0">
+              <a:ahXY gdRefX="f0" minX="f7" maxX="f10">
                 <a:pos x="f36" y="f37"/>
               </a:ahXY>
             </a:ahLst>
             <a:cxnLst>
-              <a:cxn ang="3cd4">
+              <a:cxn ang="3">
                 <a:pos x="hc" y="t"/>
               </a:cxn>
               <a:cxn ang="0">
@@ -5732,9 +5799,9 @@
               <a:buNone/>
             </a:pPr>
             <a:endParaRPr lang="en-US" sz="1600" dirty="0">
-              <a:latin typeface="Arial" pitchFamily="18"/>
-              <a:ea typeface="Microsoft YaHei" pitchFamily="2"/>
-              <a:cs typeface="Lucida Sans" pitchFamily="2"/>
+              <a:latin typeface="Arial" panose="020B0604020202020204" pitchFamily="18"/>
+              <a:ea typeface="Microsoft YaHei" panose="020B0503020204020204" pitchFamily="2" charset="-122"/>
+              <a:cs typeface="Lucida Sans" panose="020B0602030504020204" pitchFamily="2"/>
             </a:endParaRPr>
           </a:p>
         </p:txBody>
@@ -5855,12 +5922,12 @@
               <a:gd name="f98" fmla="*/ f95 f29 1"/>
             </a:gdLst>
             <a:ahLst>
-              <a:ahXY gdRefX="f0" minX="f7" maxX="f10" gdRefY="" minY="0" maxY="0">
+              <a:ahXY gdRefX="f0" minX="f7" maxX="f10">
                 <a:pos x="f36" y="f37"/>
               </a:ahXY>
             </a:ahLst>
             <a:cxnLst>
-              <a:cxn ang="3cd4">
+              <a:cxn ang="3">
                 <a:pos x="hc" y="t"/>
               </a:cxn>
               <a:cxn ang="0">
@@ -5965,9 +6032,9 @@
               <a:buNone/>
             </a:pPr>
             <a:endParaRPr lang="en-US" sz="1600" dirty="0">
-              <a:latin typeface="Arial" pitchFamily="18"/>
-              <a:ea typeface="Microsoft YaHei" pitchFamily="2"/>
-              <a:cs typeface="Lucida Sans" pitchFamily="2"/>
+              <a:latin typeface="Arial" panose="020B0604020202020204" pitchFamily="18"/>
+              <a:ea typeface="Microsoft YaHei" panose="020B0503020204020204" pitchFamily="2" charset="-122"/>
+              <a:cs typeface="Lucida Sans" panose="020B0602030504020204" pitchFamily="2"/>
             </a:endParaRPr>
           </a:p>
         </p:txBody>
@@ -6088,12 +6155,12 @@
               <a:gd name="f98" fmla="*/ f95 f29 1"/>
             </a:gdLst>
             <a:ahLst>
-              <a:ahXY gdRefX="f0" minX="f7" maxX="f10" gdRefY="" minY="0" maxY="0">
+              <a:ahXY gdRefX="f0" minX="f7" maxX="f10">
                 <a:pos x="f36" y="f37"/>
               </a:ahXY>
             </a:ahLst>
             <a:cxnLst>
-              <a:cxn ang="3cd4">
+              <a:cxn ang="3">
                 <a:pos x="hc" y="t"/>
               </a:cxn>
               <a:cxn ang="0">
@@ -6198,9 +6265,9 @@
               <a:buNone/>
             </a:pPr>
             <a:endParaRPr lang="en-US" sz="1600" dirty="0">
-              <a:latin typeface="Arial" pitchFamily="18"/>
-              <a:ea typeface="Microsoft YaHei" pitchFamily="2"/>
-              <a:cs typeface="Lucida Sans" pitchFamily="2"/>
+              <a:latin typeface="Arial" panose="020B0604020202020204" pitchFamily="18"/>
+              <a:ea typeface="Microsoft YaHei" panose="020B0503020204020204" pitchFamily="2" charset="-122"/>
+              <a:cs typeface="Lucida Sans" panose="020B0602030504020204" pitchFamily="2"/>
             </a:endParaRPr>
           </a:p>
         </p:txBody>
@@ -6287,16 +6354,16 @@
             </a:pPr>
             <a:r>
               <a:rPr lang="en-US" sz="1600" dirty="0" smtClean="0">
-                <a:latin typeface="Arial" pitchFamily="18"/>
-                <a:ea typeface="Microsoft YaHei" pitchFamily="2"/>
-                <a:cs typeface="Lucida Sans" pitchFamily="2"/>
+                <a:latin typeface="Arial" panose="020B0604020202020204" pitchFamily="18"/>
+                <a:ea typeface="Microsoft YaHei" panose="020B0503020204020204" pitchFamily="2" charset="-122"/>
+                <a:cs typeface="Lucida Sans" panose="020B0602030504020204" pitchFamily="2"/>
               </a:rPr>
               <a:t>BACK</a:t>
             </a:r>
             <a:endParaRPr lang="en-US" sz="1600" dirty="0">
-              <a:latin typeface="Arial" pitchFamily="18"/>
-              <a:ea typeface="Microsoft YaHei" pitchFamily="2"/>
-              <a:cs typeface="Lucida Sans" pitchFamily="2"/>
+              <a:latin typeface="Arial" panose="020B0604020202020204" pitchFamily="18"/>
+              <a:ea typeface="Microsoft YaHei" panose="020B0503020204020204" pitchFamily="2" charset="-122"/>
+              <a:cs typeface="Lucida Sans" panose="020B0602030504020204" pitchFamily="2"/>
             </a:endParaRPr>
           </a:p>
         </p:txBody>
@@ -6383,16 +6450,16 @@
             </a:pPr>
             <a:r>
               <a:rPr lang="en-US" sz="1600" dirty="0" smtClean="0">
-                <a:latin typeface="Arial" pitchFamily="18"/>
-                <a:ea typeface="Microsoft YaHei" pitchFamily="2"/>
-                <a:cs typeface="Lucida Sans" pitchFamily="2"/>
+                <a:latin typeface="Arial" panose="020B0604020202020204" pitchFamily="18"/>
+                <a:ea typeface="Microsoft YaHei" panose="020B0503020204020204" pitchFamily="2" charset="-122"/>
+                <a:cs typeface="Lucida Sans" panose="020B0602030504020204" pitchFamily="2"/>
               </a:rPr>
               <a:t>HOME</a:t>
             </a:r>
             <a:endParaRPr lang="en-US" sz="1600" dirty="0">
-              <a:latin typeface="Arial" pitchFamily="18"/>
-              <a:ea typeface="Microsoft YaHei" pitchFamily="2"/>
-              <a:cs typeface="Lucida Sans" pitchFamily="2"/>
+              <a:latin typeface="Arial" panose="020B0604020202020204" pitchFamily="18"/>
+              <a:ea typeface="Microsoft YaHei" panose="020B0503020204020204" pitchFamily="2" charset="-122"/>
+              <a:cs typeface="Lucida Sans" panose="020B0602030504020204" pitchFamily="2"/>
             </a:endParaRPr>
           </a:p>
         </p:txBody>
@@ -6479,16 +6546,16 @@
             </a:pPr>
             <a:r>
               <a:rPr lang="en-US" sz="1600" dirty="0" smtClean="0">
-                <a:latin typeface="Arial" pitchFamily="18"/>
-                <a:ea typeface="Microsoft YaHei" pitchFamily="2"/>
-                <a:cs typeface="Lucida Sans" pitchFamily="2"/>
+                <a:latin typeface="Arial" panose="020B0604020202020204" pitchFamily="18"/>
+                <a:ea typeface="Microsoft YaHei" panose="020B0503020204020204" pitchFamily="2" charset="-122"/>
+                <a:cs typeface="Lucida Sans" panose="020B0602030504020204" pitchFamily="2"/>
               </a:rPr>
               <a:t>OK</a:t>
             </a:r>
             <a:endParaRPr lang="en-US" sz="1600" dirty="0">
-              <a:latin typeface="Arial" pitchFamily="18"/>
-              <a:ea typeface="Microsoft YaHei" pitchFamily="2"/>
-              <a:cs typeface="Lucida Sans" pitchFamily="2"/>
+              <a:latin typeface="Arial" panose="020B0604020202020204" pitchFamily="18"/>
+              <a:ea typeface="Microsoft YaHei" panose="020B0503020204020204" pitchFamily="2" charset="-122"/>
+              <a:cs typeface="Lucida Sans" panose="020B0602030504020204" pitchFamily="2"/>
             </a:endParaRPr>
           </a:p>
         </p:txBody>
@@ -6575,16 +6642,16 @@
             </a:pPr>
             <a:r>
               <a:rPr lang="en-US" sz="1600" dirty="0" smtClean="0">
-                <a:latin typeface="Arial" pitchFamily="18"/>
-                <a:ea typeface="Microsoft YaHei" pitchFamily="2"/>
-                <a:cs typeface="Lucida Sans" pitchFamily="2"/>
+                <a:latin typeface="Arial" panose="020B0604020202020204" pitchFamily="18"/>
+                <a:ea typeface="Microsoft YaHei" panose="020B0503020204020204" pitchFamily="2" charset="-122"/>
+                <a:cs typeface="Lucida Sans" panose="020B0602030504020204" pitchFamily="2"/>
               </a:rPr>
               <a:t>SWAP</a:t>
             </a:r>
             <a:endParaRPr lang="en-US" sz="1600" dirty="0">
-              <a:latin typeface="Arial" pitchFamily="18"/>
-              <a:ea typeface="Microsoft YaHei" pitchFamily="2"/>
-              <a:cs typeface="Lucida Sans" pitchFamily="2"/>
+              <a:latin typeface="Arial" panose="020B0604020202020204" pitchFamily="18"/>
+              <a:ea typeface="Microsoft YaHei" panose="020B0503020204020204" pitchFamily="2" charset="-122"/>
+              <a:cs typeface="Lucida Sans" panose="020B0602030504020204" pitchFamily="2"/>
             </a:endParaRPr>
           </a:p>
         </p:txBody>
@@ -6705,12 +6772,12 @@
               <a:gd name="f98" fmla="*/ f95 f29 1"/>
             </a:gdLst>
             <a:ahLst>
-              <a:ahXY gdRefX="f0" minX="f7" maxX="f10" gdRefY="" minY="0" maxY="0">
+              <a:ahXY gdRefX="f0" minX="f7" maxX="f10">
                 <a:pos x="f36" y="f37"/>
               </a:ahXY>
             </a:ahLst>
             <a:cxnLst>
-              <a:cxn ang="3cd4">
+              <a:cxn ang="3">
                 <a:pos x="hc" y="t"/>
               </a:cxn>
               <a:cxn ang="0">
@@ -6815,9 +6882,9 @@
               <a:buNone/>
             </a:pPr>
             <a:endParaRPr lang="en-US" sz="1600" dirty="0">
-              <a:latin typeface="Arial" pitchFamily="18"/>
-              <a:ea typeface="Microsoft YaHei" pitchFamily="2"/>
-              <a:cs typeface="Lucida Sans" pitchFamily="2"/>
+              <a:latin typeface="Arial" panose="020B0604020202020204" pitchFamily="18"/>
+              <a:ea typeface="Microsoft YaHei" panose="020B0503020204020204" pitchFamily="2" charset="-122"/>
+              <a:cs typeface="Lucida Sans" panose="020B0602030504020204" pitchFamily="2"/>
             </a:endParaRPr>
           </a:p>
         </p:txBody>
@@ -6938,12 +7005,12 @@
               <a:gd name="f98" fmla="*/ f95 f29 1"/>
             </a:gdLst>
             <a:ahLst>
-              <a:ahXY gdRefX="f0" minX="f7" maxX="f10" gdRefY="" minY="0" maxY="0">
+              <a:ahXY gdRefX="f0" minX="f7" maxX="f10">
                 <a:pos x="f36" y="f37"/>
               </a:ahXY>
             </a:ahLst>
             <a:cxnLst>
-              <a:cxn ang="3cd4">
+              <a:cxn ang="3">
                 <a:pos x="hc" y="t"/>
               </a:cxn>
               <a:cxn ang="0">
@@ -7048,9 +7115,9 @@
               <a:buNone/>
             </a:pPr>
             <a:endParaRPr lang="en-US" sz="1600" dirty="0">
-              <a:latin typeface="Arial" pitchFamily="18"/>
-              <a:ea typeface="Microsoft YaHei" pitchFamily="2"/>
-              <a:cs typeface="Lucida Sans" pitchFamily="2"/>
+              <a:latin typeface="Arial" panose="020B0604020202020204" pitchFamily="18"/>
+              <a:ea typeface="Microsoft YaHei" panose="020B0503020204020204" pitchFamily="2" charset="-122"/>
+              <a:cs typeface="Lucida Sans" panose="020B0602030504020204" pitchFamily="2"/>
             </a:endParaRPr>
           </a:p>
         </p:txBody>
@@ -7171,12 +7238,12 @@
               <a:gd name="f98" fmla="*/ f95 f29 1"/>
             </a:gdLst>
             <a:ahLst>
-              <a:ahXY gdRefX="f0" minX="f7" maxX="f10" gdRefY="" minY="0" maxY="0">
+              <a:ahXY gdRefX="f0" minX="f7" maxX="f10">
                 <a:pos x="f36" y="f37"/>
               </a:ahXY>
             </a:ahLst>
             <a:cxnLst>
-              <a:cxn ang="3cd4">
+              <a:cxn ang="3">
                 <a:pos x="hc" y="t"/>
               </a:cxn>
               <a:cxn ang="0">
@@ -7281,9 +7348,9 @@
               <a:buNone/>
             </a:pPr>
             <a:endParaRPr lang="en-US" sz="1600" dirty="0">
-              <a:latin typeface="Arial" pitchFamily="18"/>
-              <a:ea typeface="Microsoft YaHei" pitchFamily="2"/>
-              <a:cs typeface="Lucida Sans" pitchFamily="2"/>
+              <a:latin typeface="Arial" panose="020B0604020202020204" pitchFamily="18"/>
+              <a:ea typeface="Microsoft YaHei" panose="020B0503020204020204" pitchFamily="2" charset="-122"/>
+              <a:cs typeface="Lucida Sans" panose="020B0602030504020204" pitchFamily="2"/>
             </a:endParaRPr>
           </a:p>
         </p:txBody>
@@ -7404,12 +7471,12 @@
               <a:gd name="f98" fmla="*/ f95 f29 1"/>
             </a:gdLst>
             <a:ahLst>
-              <a:ahXY gdRefX="f0" minX="f7" maxX="f10" gdRefY="" minY="0" maxY="0">
+              <a:ahXY gdRefX="f0" minX="f7" maxX="f10">
                 <a:pos x="f36" y="f37"/>
               </a:ahXY>
             </a:ahLst>
             <a:cxnLst>
-              <a:cxn ang="3cd4">
+              <a:cxn ang="3">
                 <a:pos x="hc" y="t"/>
               </a:cxn>
               <a:cxn ang="0">
@@ -7514,9 +7581,9 @@
               <a:buNone/>
             </a:pPr>
             <a:endParaRPr lang="en-US" sz="1600" dirty="0">
-              <a:latin typeface="Arial" pitchFamily="18"/>
-              <a:ea typeface="Microsoft YaHei" pitchFamily="2"/>
-              <a:cs typeface="Lucida Sans" pitchFamily="2"/>
+              <a:latin typeface="Arial" panose="020B0604020202020204" pitchFamily="18"/>
+              <a:ea typeface="Microsoft YaHei" panose="020B0503020204020204" pitchFamily="2" charset="-122"/>
+              <a:cs typeface="Lucida Sans" panose="020B0602030504020204" pitchFamily="2"/>
             </a:endParaRPr>
           </a:p>
         </p:txBody>
@@ -7544,7 +7611,7 @@
           <a:lstStyle/>
           <a:p>
             <a:pPr>
-              <a:buFont typeface="Arial" pitchFamily="34" charset="0"/>
+              <a:buFont typeface="Arial" panose="020B0604020202020204" pitchFamily="34" charset="0"/>
               <a:buChar char="•"/>
             </a:pPr>
             <a:r>
@@ -7559,10 +7626,11 @@
               <a:rPr lang="en-US" sz="1300" dirty="0"/>
               <a:t>screen at power up</a:t>
             </a:r>
+            <a:endParaRPr lang="en-US" sz="1300" dirty="0"/>
           </a:p>
           <a:p>
             <a:pPr>
-              <a:buFont typeface="Arial" pitchFamily="34" charset="0"/>
+              <a:buFont typeface="Arial" panose="020B0604020202020204" pitchFamily="34" charset="0"/>
               <a:buChar char="•"/>
             </a:pPr>
             <a:r>
@@ -7601,7 +7669,7 @@
           </a:p>
           <a:p>
             <a:pPr>
-              <a:buFont typeface="Arial" pitchFamily="34" charset="0"/>
+              <a:buFont typeface="Arial" panose="020B0604020202020204" pitchFamily="34" charset="0"/>
               <a:buChar char="•"/>
             </a:pPr>
             <a:r>
@@ -7632,7 +7700,7 @@
           </a:p>
           <a:p>
             <a:pPr>
-              <a:buFont typeface="Arial" pitchFamily="34" charset="0"/>
+              <a:buFont typeface="Arial" panose="020B0604020202020204" pitchFamily="34" charset="0"/>
               <a:buChar char="•"/>
             </a:pPr>
             <a:endParaRPr lang="en-US" sz="1300" dirty="0"/>
@@ -7834,6 +7902,11 @@
               </a:rPr>
               <a:t>Soft Buttons </a:t>
             </a:r>
+            <a:endParaRPr lang="en-US" sz="1100" dirty="0">
+              <a:solidFill>
+                <a:schemeClr val="tx1"/>
+              </a:solidFill>
+            </a:endParaRPr>
           </a:p>
         </p:txBody>
       </p:sp>
@@ -7897,6 +7970,11 @@
               </a:rPr>
               <a:t>Function  Buttons </a:t>
             </a:r>
+            <a:endParaRPr lang="en-US" sz="1100" dirty="0">
+              <a:solidFill>
+                <a:schemeClr val="tx1"/>
+              </a:solidFill>
+            </a:endParaRPr>
           </a:p>
         </p:txBody>
       </p:sp>
@@ -7960,6 +8038,11 @@
               </a:rPr>
               <a:t>Soft Buttons </a:t>
             </a:r>
+            <a:endParaRPr lang="en-US" sz="1100" dirty="0">
+              <a:solidFill>
+                <a:schemeClr val="tx1"/>
+              </a:solidFill>
+            </a:endParaRPr>
           </a:p>
         </p:txBody>
       </p:sp>
@@ -8079,12 +8162,12 @@
               <a:gd name="f98" fmla="*/ f95 f29 1"/>
             </a:gdLst>
             <a:ahLst>
-              <a:ahXY gdRefX="f0" minX="f7" maxX="f10" gdRefY="" minY="0" maxY="0">
+              <a:ahXY gdRefX="f0" minX="f7" maxX="f10">
                 <a:pos x="f36" y="f37"/>
               </a:ahXY>
             </a:ahLst>
             <a:cxnLst>
-              <a:cxn ang="3cd4">
+              <a:cxn ang="3">
                 <a:pos x="hc" y="t"/>
               </a:cxn>
               <a:cxn ang="0">
@@ -8189,9 +8272,9 @@
               <a:buNone/>
             </a:pPr>
             <a:endParaRPr lang="en-US" sz="1600" dirty="0">
-              <a:latin typeface="Arial" pitchFamily="18"/>
-              <a:ea typeface="Microsoft YaHei" pitchFamily="2"/>
-              <a:cs typeface="Lucida Sans" pitchFamily="2"/>
+              <a:latin typeface="Arial" panose="020B0604020202020204" pitchFamily="18"/>
+              <a:ea typeface="Microsoft YaHei" panose="020B0503020204020204" pitchFamily="2" charset="-122"/>
+              <a:cs typeface="Lucida Sans" panose="020B0602030504020204" pitchFamily="2"/>
             </a:endParaRPr>
           </a:p>
         </p:txBody>
@@ -8312,12 +8395,12 @@
               <a:gd name="f98" fmla="*/ f95 f29 1"/>
             </a:gdLst>
             <a:ahLst>
-              <a:ahXY gdRefX="f0" minX="f7" maxX="f10" gdRefY="" minY="0" maxY="0">
+              <a:ahXY gdRefX="f0" minX="f7" maxX="f10">
                 <a:pos x="f36" y="f37"/>
               </a:ahXY>
             </a:ahLst>
             <a:cxnLst>
-              <a:cxn ang="3cd4">
+              <a:cxn ang="3">
                 <a:pos x="hc" y="t"/>
               </a:cxn>
               <a:cxn ang="0">
@@ -8422,9 +8505,9 @@
               <a:buNone/>
             </a:pPr>
             <a:endParaRPr lang="en-US" sz="1600" dirty="0">
-              <a:latin typeface="Arial" pitchFamily="18"/>
-              <a:ea typeface="Microsoft YaHei" pitchFamily="2"/>
-              <a:cs typeface="Lucida Sans" pitchFamily="2"/>
+              <a:latin typeface="Arial" panose="020B0604020202020204" pitchFamily="18"/>
+              <a:ea typeface="Microsoft YaHei" panose="020B0503020204020204" pitchFamily="2" charset="-122"/>
+              <a:cs typeface="Lucida Sans" panose="020B0602030504020204" pitchFamily="2"/>
             </a:endParaRPr>
           </a:p>
         </p:txBody>
@@ -8511,16 +8594,16 @@
             </a:pPr>
             <a:r>
               <a:rPr lang="en-US" sz="1600" dirty="0" smtClean="0">
-                <a:latin typeface="Arial" pitchFamily="18"/>
-                <a:ea typeface="Microsoft YaHei" pitchFamily="2"/>
-                <a:cs typeface="Lucida Sans" pitchFamily="2"/>
+                <a:latin typeface="Arial" panose="020B0604020202020204" pitchFamily="18"/>
+                <a:ea typeface="Microsoft YaHei" panose="020B0503020204020204" pitchFamily="2" charset="-122"/>
+                <a:cs typeface="Lucida Sans" panose="020B0602030504020204" pitchFamily="2"/>
               </a:rPr>
               <a:t>PREV</a:t>
             </a:r>
             <a:endParaRPr lang="en-US" sz="1600" dirty="0">
-              <a:latin typeface="Arial" pitchFamily="18"/>
-              <a:ea typeface="Microsoft YaHei" pitchFamily="2"/>
-              <a:cs typeface="Lucida Sans" pitchFamily="2"/>
+              <a:latin typeface="Arial" panose="020B0604020202020204" pitchFamily="18"/>
+              <a:ea typeface="Microsoft YaHei" panose="020B0503020204020204" pitchFamily="2" charset="-122"/>
+              <a:cs typeface="Lucida Sans" panose="020B0602030504020204" pitchFamily="2"/>
             </a:endParaRPr>
           </a:p>
         </p:txBody>
@@ -8607,16 +8690,16 @@
             </a:pPr>
             <a:r>
               <a:rPr lang="en-US" sz="1600" dirty="0" smtClean="0">
-                <a:latin typeface="Arial" pitchFamily="18"/>
-                <a:ea typeface="Microsoft YaHei" pitchFamily="2"/>
-                <a:cs typeface="Lucida Sans" pitchFamily="2"/>
+                <a:latin typeface="Arial" panose="020B0604020202020204" pitchFamily="18"/>
+                <a:ea typeface="Microsoft YaHei" panose="020B0503020204020204" pitchFamily="2" charset="-122"/>
+                <a:cs typeface="Lucida Sans" panose="020B0602030504020204" pitchFamily="2"/>
               </a:rPr>
               <a:t>NEXT</a:t>
             </a:r>
             <a:endParaRPr lang="en-US" sz="1600" dirty="0">
-              <a:latin typeface="Arial" pitchFamily="18"/>
-              <a:ea typeface="Microsoft YaHei" pitchFamily="2"/>
-              <a:cs typeface="Lucida Sans" pitchFamily="2"/>
+              <a:latin typeface="Arial" panose="020B0604020202020204" pitchFamily="18"/>
+              <a:ea typeface="Microsoft YaHei" panose="020B0503020204020204" pitchFamily="2" charset="-122"/>
+              <a:cs typeface="Lucida Sans" panose="020B0602030504020204" pitchFamily="2"/>
             </a:endParaRPr>
           </a:p>
         </p:txBody>
@@ -8703,16 +8786,16 @@
             </a:pPr>
             <a:r>
               <a:rPr lang="en-US" sz="1300" dirty="0" smtClean="0">
-                <a:latin typeface="Arial" pitchFamily="18"/>
-                <a:ea typeface="Microsoft YaHei" pitchFamily="2"/>
-                <a:cs typeface="Lucida Sans" pitchFamily="2"/>
+                <a:latin typeface="Arial" panose="020B0604020202020204" pitchFamily="18"/>
+                <a:ea typeface="Microsoft YaHei" panose="020B0503020204020204" pitchFamily="2" charset="-122"/>
+                <a:cs typeface="Lucida Sans" panose="020B0602030504020204" pitchFamily="2"/>
               </a:rPr>
               <a:t>HF </a:t>
             </a:r>
             <a:endParaRPr lang="en-US" sz="1300" dirty="0">
-              <a:latin typeface="Arial" pitchFamily="18"/>
-              <a:ea typeface="Microsoft YaHei" pitchFamily="2"/>
-              <a:cs typeface="Lucida Sans" pitchFamily="2"/>
+              <a:latin typeface="Arial" panose="020B0604020202020204" pitchFamily="18"/>
+              <a:ea typeface="Microsoft YaHei" panose="020B0503020204020204" pitchFamily="2" charset="-122"/>
+              <a:cs typeface="Lucida Sans" panose="020B0602030504020204" pitchFamily="2"/>
             </a:endParaRPr>
           </a:p>
         </p:txBody>
@@ -8799,16 +8882,16 @@
             </a:pPr>
             <a:r>
               <a:rPr lang="en-US" sz="1300" dirty="0" smtClean="0">
-                <a:latin typeface="Arial" pitchFamily="18"/>
-                <a:ea typeface="Microsoft YaHei" pitchFamily="2"/>
-                <a:cs typeface="Lucida Sans" pitchFamily="2"/>
+                <a:latin typeface="Arial" panose="020B0604020202020204" pitchFamily="18"/>
+                <a:ea typeface="Microsoft YaHei" panose="020B0503020204020204" pitchFamily="2" charset="-122"/>
+                <a:cs typeface="Lucida Sans" panose="020B0602030504020204" pitchFamily="2"/>
               </a:rPr>
               <a:t>VHF</a:t>
             </a:r>
             <a:endParaRPr lang="en-US" sz="1300" dirty="0">
-              <a:latin typeface="Arial" pitchFamily="18"/>
-              <a:ea typeface="Microsoft YaHei" pitchFamily="2"/>
-              <a:cs typeface="Lucida Sans" pitchFamily="2"/>
+              <a:latin typeface="Arial" panose="020B0604020202020204" pitchFamily="18"/>
+              <a:ea typeface="Microsoft YaHei" panose="020B0503020204020204" pitchFamily="2" charset="-122"/>
+              <a:cs typeface="Lucida Sans" panose="020B0602030504020204" pitchFamily="2"/>
             </a:endParaRPr>
           </a:p>
         </p:txBody>
@@ -8895,16 +8978,16 @@
             </a:pPr>
             <a:r>
               <a:rPr lang="en-US" sz="1300" dirty="0" smtClean="0">
-                <a:latin typeface="Arial" pitchFamily="18"/>
-                <a:ea typeface="Microsoft YaHei" pitchFamily="2"/>
-                <a:cs typeface="Lucida Sans" pitchFamily="2"/>
+                <a:latin typeface="Arial" panose="020B0604020202020204" pitchFamily="18"/>
+                <a:ea typeface="Microsoft YaHei" panose="020B0503020204020204" pitchFamily="2" charset="-122"/>
+                <a:cs typeface="Lucida Sans" panose="020B0602030504020204" pitchFamily="2"/>
               </a:rPr>
               <a:t>UHF</a:t>
             </a:r>
             <a:endParaRPr lang="en-US" sz="1300" dirty="0">
-              <a:latin typeface="Arial" pitchFamily="18"/>
-              <a:ea typeface="Microsoft YaHei" pitchFamily="2"/>
-              <a:cs typeface="Lucida Sans" pitchFamily="2"/>
+              <a:latin typeface="Arial" panose="020B0604020202020204" pitchFamily="18"/>
+              <a:ea typeface="Microsoft YaHei" panose="020B0503020204020204" pitchFamily="2" charset="-122"/>
+              <a:cs typeface="Lucida Sans" panose="020B0602030504020204" pitchFamily="2"/>
             </a:endParaRPr>
           </a:p>
         </p:txBody>
@@ -9225,6 +9308,35 @@
           <a:lstStyle/>
           <a:p>
             <a:pPr algn="ctr"/>
+            <a:endParaRPr lang="en-US"/>
+          </a:p>
+        </p:txBody>
+      </p:sp>
+      <p:sp>
+        <p:nvSpPr>
+          <p:cNvPr id="3" name="Text Box 2"/>
+          <p:cNvSpPr txBox="1"/>
+          <p:nvPr/>
+        </p:nvSpPr>
+        <p:spPr>
+          <a:xfrm>
+            <a:off x="1910715" y="4533900"/>
+            <a:ext cx="3048000" cy="368300"/>
+          </a:xfrm>
+          <a:prstGeom prst="rect">
+            <a:avLst/>
+          </a:prstGeom>
+          <a:noFill/>
+        </p:spPr>
+        <p:txBody>
+          <a:bodyPr wrap="square" rtlCol="0">
+            <a:spAutoFit/>
+          </a:bodyPr>
+          <a:p>
+            <a:r>
+              <a:rPr lang="en-US"/>
+              <a:t>demo testing</a:t>
+            </a:r>
             <a:endParaRPr lang="en-US"/>
           </a:p>
         </p:txBody>
@@ -9360,10 +9472,6 @@
               </a:rPr>
               <a:t>VHF Selected</a:t>
             </a:r>
-            <a:r>
-              <a:rPr lang="en-US" sz="2500" dirty="0"/>
-              <a:t/>
-            </a:r>
             <a:br>
               <a:rPr lang="en-US" sz="2500" dirty="0"/>
             </a:br>
@@ -9454,9 +9562,9 @@
               <a:buNone/>
             </a:pPr>
             <a:endParaRPr lang="en-US" sz="1600" dirty="0">
-              <a:latin typeface="Arial" pitchFamily="18"/>
-              <a:ea typeface="Microsoft YaHei" pitchFamily="2"/>
-              <a:cs typeface="Lucida Sans" pitchFamily="2"/>
+              <a:latin typeface="Arial" panose="020B0604020202020204" pitchFamily="18"/>
+              <a:ea typeface="Microsoft YaHei" panose="020B0503020204020204" pitchFamily="2" charset="-122"/>
+              <a:cs typeface="Lucida Sans" panose="020B0602030504020204" pitchFamily="2"/>
             </a:endParaRPr>
           </a:p>
         </p:txBody>
@@ -9577,12 +9685,12 @@
               <a:gd name="f98" fmla="*/ f95 f29 1"/>
             </a:gdLst>
             <a:ahLst>
-              <a:ahXY gdRefX="f0" minX="f7" maxX="f10" gdRefY="" minY="0" maxY="0">
+              <a:ahXY gdRefX="f0" minX="f7" maxX="f10">
                 <a:pos x="f36" y="f37"/>
               </a:ahXY>
             </a:ahLst>
             <a:cxnLst>
-              <a:cxn ang="3cd4">
+              <a:cxn ang="3">
                 <a:pos x="hc" y="t"/>
               </a:cxn>
               <a:cxn ang="0">
@@ -9687,9 +9795,9 @@
               <a:buNone/>
             </a:pPr>
             <a:endParaRPr lang="en-US" sz="1600" dirty="0">
-              <a:latin typeface="Arial" pitchFamily="18"/>
-              <a:ea typeface="Microsoft YaHei" pitchFamily="2"/>
-              <a:cs typeface="Lucida Sans" pitchFamily="2"/>
+              <a:latin typeface="Arial" panose="020B0604020202020204" pitchFamily="18"/>
+              <a:ea typeface="Microsoft YaHei" panose="020B0503020204020204" pitchFamily="2" charset="-122"/>
+              <a:cs typeface="Lucida Sans" panose="020B0602030504020204" pitchFamily="2"/>
             </a:endParaRPr>
           </a:p>
         </p:txBody>
@@ -9810,12 +9918,12 @@
               <a:gd name="f98" fmla="*/ f95 f29 1"/>
             </a:gdLst>
             <a:ahLst>
-              <a:ahXY gdRefX="f0" minX="f7" maxX="f10" gdRefY="" minY="0" maxY="0">
+              <a:ahXY gdRefX="f0" minX="f7" maxX="f10">
                 <a:pos x="f36" y="f37"/>
               </a:ahXY>
             </a:ahLst>
             <a:cxnLst>
-              <a:cxn ang="3cd4">
+              <a:cxn ang="3">
                 <a:pos x="hc" y="t"/>
               </a:cxn>
               <a:cxn ang="0">
@@ -9920,9 +10028,9 @@
               <a:buNone/>
             </a:pPr>
             <a:endParaRPr lang="en-US" sz="1600" dirty="0">
-              <a:latin typeface="Arial" pitchFamily="18"/>
-              <a:ea typeface="Microsoft YaHei" pitchFamily="2"/>
-              <a:cs typeface="Lucida Sans" pitchFamily="2"/>
+              <a:latin typeface="Arial" panose="020B0604020202020204" pitchFamily="18"/>
+              <a:ea typeface="Microsoft YaHei" panose="020B0503020204020204" pitchFamily="2" charset="-122"/>
+              <a:cs typeface="Lucida Sans" panose="020B0602030504020204" pitchFamily="2"/>
             </a:endParaRPr>
           </a:p>
         </p:txBody>
@@ -10043,12 +10151,12 @@
               <a:gd name="f98" fmla="*/ f95 f29 1"/>
             </a:gdLst>
             <a:ahLst>
-              <a:ahXY gdRefX="f0" minX="f7" maxX="f10" gdRefY="" minY="0" maxY="0">
+              <a:ahXY gdRefX="f0" minX="f7" maxX="f10">
                 <a:pos x="f36" y="f37"/>
               </a:ahXY>
             </a:ahLst>
             <a:cxnLst>
-              <a:cxn ang="3cd4">
+              <a:cxn ang="3">
                 <a:pos x="hc" y="t"/>
               </a:cxn>
               <a:cxn ang="0">
@@ -10153,9 +10261,9 @@
               <a:buNone/>
             </a:pPr>
             <a:endParaRPr lang="en-US" sz="1600" dirty="0">
-              <a:latin typeface="Arial" pitchFamily="18"/>
-              <a:ea typeface="Microsoft YaHei" pitchFamily="2"/>
-              <a:cs typeface="Lucida Sans" pitchFamily="2"/>
+              <a:latin typeface="Arial" panose="020B0604020202020204" pitchFamily="18"/>
+              <a:ea typeface="Microsoft YaHei" panose="020B0503020204020204" pitchFamily="2" charset="-122"/>
+              <a:cs typeface="Lucida Sans" panose="020B0602030504020204" pitchFamily="2"/>
             </a:endParaRPr>
           </a:p>
         </p:txBody>
@@ -10276,12 +10384,12 @@
               <a:gd name="f98" fmla="*/ f95 f29 1"/>
             </a:gdLst>
             <a:ahLst>
-              <a:ahXY gdRefX="f0" minX="f7" maxX="f10" gdRefY="" minY="0" maxY="0">
+              <a:ahXY gdRefX="f0" minX="f7" maxX="f10">
                 <a:pos x="f36" y="f37"/>
               </a:ahXY>
             </a:ahLst>
             <a:cxnLst>
-              <a:cxn ang="3cd4">
+              <a:cxn ang="3">
                 <a:pos x="hc" y="t"/>
               </a:cxn>
               <a:cxn ang="0">
@@ -10386,9 +10494,9 @@
               <a:buNone/>
             </a:pPr>
             <a:endParaRPr lang="en-US" sz="1600" dirty="0">
-              <a:latin typeface="Arial" pitchFamily="18"/>
-              <a:ea typeface="Microsoft YaHei" pitchFamily="2"/>
-              <a:cs typeface="Lucida Sans" pitchFamily="2"/>
+              <a:latin typeface="Arial" panose="020B0604020202020204" pitchFamily="18"/>
+              <a:ea typeface="Microsoft YaHei" panose="020B0503020204020204" pitchFamily="2" charset="-122"/>
+              <a:cs typeface="Lucida Sans" panose="020B0602030504020204" pitchFamily="2"/>
             </a:endParaRPr>
           </a:p>
         </p:txBody>
@@ -10475,16 +10583,16 @@
             </a:pPr>
             <a:r>
               <a:rPr lang="en-US" sz="1600" dirty="0" smtClean="0">
-                <a:latin typeface="Arial" pitchFamily="18"/>
-                <a:ea typeface="Microsoft YaHei" pitchFamily="2"/>
-                <a:cs typeface="Lucida Sans" pitchFamily="2"/>
+                <a:latin typeface="Arial" panose="020B0604020202020204" pitchFamily="18"/>
+                <a:ea typeface="Microsoft YaHei" panose="020B0503020204020204" pitchFamily="2" charset="-122"/>
+                <a:cs typeface="Lucida Sans" panose="020B0602030504020204" pitchFamily="2"/>
               </a:rPr>
               <a:t>VHF</a:t>
             </a:r>
             <a:endParaRPr lang="en-US" sz="1600" dirty="0">
-              <a:latin typeface="Arial" pitchFamily="18"/>
-              <a:ea typeface="Microsoft YaHei" pitchFamily="2"/>
-              <a:cs typeface="Lucida Sans" pitchFamily="2"/>
+              <a:latin typeface="Arial" panose="020B0604020202020204" pitchFamily="18"/>
+              <a:ea typeface="Microsoft YaHei" panose="020B0503020204020204" pitchFamily="2" charset="-122"/>
+              <a:cs typeface="Lucida Sans" panose="020B0602030504020204" pitchFamily="2"/>
             </a:endParaRPr>
           </a:p>
         </p:txBody>
@@ -10605,12 +10713,12 @@
               <a:gd name="f98" fmla="*/ f95 f29 1"/>
             </a:gdLst>
             <a:ahLst>
-              <a:ahXY gdRefX="f0" minX="f7" maxX="f10" gdRefY="" minY="0" maxY="0">
+              <a:ahXY gdRefX="f0" minX="f7" maxX="f10">
                 <a:pos x="f36" y="f37"/>
               </a:ahXY>
             </a:ahLst>
             <a:cxnLst>
-              <a:cxn ang="3cd4">
+              <a:cxn ang="3">
                 <a:pos x="hc" y="t"/>
               </a:cxn>
               <a:cxn ang="0">
@@ -10715,9 +10823,9 @@
               <a:buNone/>
             </a:pPr>
             <a:endParaRPr lang="en-US" sz="1600" dirty="0">
-              <a:latin typeface="Arial" pitchFamily="18"/>
-              <a:ea typeface="Microsoft YaHei" pitchFamily="2"/>
-              <a:cs typeface="Lucida Sans" pitchFamily="2"/>
+              <a:latin typeface="Arial" panose="020B0604020202020204" pitchFamily="18"/>
+              <a:ea typeface="Microsoft YaHei" panose="020B0503020204020204" pitchFamily="2" charset="-122"/>
+              <a:cs typeface="Lucida Sans" panose="020B0602030504020204" pitchFamily="2"/>
             </a:endParaRPr>
           </a:p>
         </p:txBody>
@@ -10838,12 +10946,12 @@
               <a:gd name="f98" fmla="*/ f95 f29 1"/>
             </a:gdLst>
             <a:ahLst>
-              <a:ahXY gdRefX="f0" minX="f7" maxX="f10" gdRefY="" minY="0" maxY="0">
+              <a:ahXY gdRefX="f0" minX="f7" maxX="f10">
                 <a:pos x="f36" y="f37"/>
               </a:ahXY>
             </a:ahLst>
             <a:cxnLst>
-              <a:cxn ang="3cd4">
+              <a:cxn ang="3">
                 <a:pos x="hc" y="t"/>
               </a:cxn>
               <a:cxn ang="0">
@@ -10948,9 +11056,9 @@
               <a:buNone/>
             </a:pPr>
             <a:endParaRPr lang="en-US" sz="1600" dirty="0">
-              <a:latin typeface="Arial" pitchFamily="18"/>
-              <a:ea typeface="Microsoft YaHei" pitchFamily="2"/>
-              <a:cs typeface="Lucida Sans" pitchFamily="2"/>
+              <a:latin typeface="Arial" panose="020B0604020202020204" pitchFamily="18"/>
+              <a:ea typeface="Microsoft YaHei" panose="020B0503020204020204" pitchFamily="2" charset="-122"/>
+              <a:cs typeface="Lucida Sans" panose="020B0602030504020204" pitchFamily="2"/>
             </a:endParaRPr>
           </a:p>
         </p:txBody>
@@ -11071,12 +11179,12 @@
               <a:gd name="f98" fmla="*/ f95 f29 1"/>
             </a:gdLst>
             <a:ahLst>
-              <a:ahXY gdRefX="f0" minX="f7" maxX="f10" gdRefY="" minY="0" maxY="0">
+              <a:ahXY gdRefX="f0" minX="f7" maxX="f10">
                 <a:pos x="f36" y="f37"/>
               </a:ahXY>
             </a:ahLst>
             <a:cxnLst>
-              <a:cxn ang="3cd4">
+              <a:cxn ang="3">
                 <a:pos x="hc" y="t"/>
               </a:cxn>
               <a:cxn ang="0">
@@ -11181,9 +11289,9 @@
               <a:buNone/>
             </a:pPr>
             <a:endParaRPr lang="en-US" sz="1600" dirty="0">
-              <a:latin typeface="Arial" pitchFamily="18"/>
-              <a:ea typeface="Microsoft YaHei" pitchFamily="2"/>
-              <a:cs typeface="Lucida Sans" pitchFamily="2"/>
+              <a:latin typeface="Arial" panose="020B0604020202020204" pitchFamily="18"/>
+              <a:ea typeface="Microsoft YaHei" panose="020B0503020204020204" pitchFamily="2" charset="-122"/>
+              <a:cs typeface="Lucida Sans" panose="020B0602030504020204" pitchFamily="2"/>
             </a:endParaRPr>
           </a:p>
         </p:txBody>
@@ -11304,12 +11412,12 @@
               <a:gd name="f98" fmla="*/ f95 f29 1"/>
             </a:gdLst>
             <a:ahLst>
-              <a:ahXY gdRefX="f0" minX="f7" maxX="f10" gdRefY="" minY="0" maxY="0">
+              <a:ahXY gdRefX="f0" minX="f7" maxX="f10">
                 <a:pos x="f36" y="f37"/>
               </a:ahXY>
             </a:ahLst>
             <a:cxnLst>
-              <a:cxn ang="3cd4">
+              <a:cxn ang="3">
                 <a:pos x="hc" y="t"/>
               </a:cxn>
               <a:cxn ang="0">
@@ -11414,9 +11522,9 @@
               <a:buNone/>
             </a:pPr>
             <a:endParaRPr lang="en-US" sz="1600" dirty="0">
-              <a:latin typeface="Arial" pitchFamily="18"/>
-              <a:ea typeface="Microsoft YaHei" pitchFamily="2"/>
-              <a:cs typeface="Lucida Sans" pitchFamily="2"/>
+              <a:latin typeface="Arial" panose="020B0604020202020204" pitchFamily="18"/>
+              <a:ea typeface="Microsoft YaHei" panose="020B0503020204020204" pitchFamily="2" charset="-122"/>
+              <a:cs typeface="Lucida Sans" panose="020B0602030504020204" pitchFamily="2"/>
             </a:endParaRPr>
           </a:p>
         </p:txBody>
@@ -11503,16 +11611,16 @@
             </a:pPr>
             <a:r>
               <a:rPr lang="en-US" sz="1600" dirty="0" smtClean="0">
-                <a:latin typeface="Arial" pitchFamily="18"/>
-                <a:ea typeface="Microsoft YaHei" pitchFamily="2"/>
-                <a:cs typeface="Lucida Sans" pitchFamily="2"/>
+                <a:latin typeface="Arial" panose="020B0604020202020204" pitchFamily="18"/>
+                <a:ea typeface="Microsoft YaHei" panose="020B0503020204020204" pitchFamily="2" charset="-122"/>
+                <a:cs typeface="Lucida Sans" panose="020B0602030504020204" pitchFamily="2"/>
               </a:rPr>
               <a:t>BACK</a:t>
             </a:r>
             <a:endParaRPr lang="en-US" sz="1600" dirty="0">
-              <a:latin typeface="Arial" pitchFamily="18"/>
-              <a:ea typeface="Microsoft YaHei" pitchFamily="2"/>
-              <a:cs typeface="Lucida Sans" pitchFamily="2"/>
+              <a:latin typeface="Arial" panose="020B0604020202020204" pitchFamily="18"/>
+              <a:ea typeface="Microsoft YaHei" panose="020B0503020204020204" pitchFamily="2" charset="-122"/>
+              <a:cs typeface="Lucida Sans" panose="020B0602030504020204" pitchFamily="2"/>
             </a:endParaRPr>
           </a:p>
         </p:txBody>
@@ -11599,16 +11707,16 @@
             </a:pPr>
             <a:r>
               <a:rPr lang="en-US" sz="1600" dirty="0" smtClean="0">
-                <a:latin typeface="Arial" pitchFamily="18"/>
-                <a:ea typeface="Microsoft YaHei" pitchFamily="2"/>
-                <a:cs typeface="Lucida Sans" pitchFamily="2"/>
+                <a:latin typeface="Arial" panose="020B0604020202020204" pitchFamily="18"/>
+                <a:ea typeface="Microsoft YaHei" panose="020B0503020204020204" pitchFamily="2" charset="-122"/>
+                <a:cs typeface="Lucida Sans" panose="020B0602030504020204" pitchFamily="2"/>
               </a:rPr>
               <a:t>HOME</a:t>
             </a:r>
             <a:endParaRPr lang="en-US" sz="1600" dirty="0">
-              <a:latin typeface="Arial" pitchFamily="18"/>
-              <a:ea typeface="Microsoft YaHei" pitchFamily="2"/>
-              <a:cs typeface="Lucida Sans" pitchFamily="2"/>
+              <a:latin typeface="Arial" panose="020B0604020202020204" pitchFamily="18"/>
+              <a:ea typeface="Microsoft YaHei" panose="020B0503020204020204" pitchFamily="2" charset="-122"/>
+              <a:cs typeface="Lucida Sans" panose="020B0602030504020204" pitchFamily="2"/>
             </a:endParaRPr>
           </a:p>
         </p:txBody>
@@ -11695,16 +11803,16 @@
             </a:pPr>
             <a:r>
               <a:rPr lang="en-US" sz="1600" dirty="0" smtClean="0">
-                <a:latin typeface="Arial" pitchFamily="18"/>
-                <a:ea typeface="Microsoft YaHei" pitchFamily="2"/>
-                <a:cs typeface="Lucida Sans" pitchFamily="2"/>
+                <a:latin typeface="Arial" panose="020B0604020202020204" pitchFamily="18"/>
+                <a:ea typeface="Microsoft YaHei" panose="020B0503020204020204" pitchFamily="2" charset="-122"/>
+                <a:cs typeface="Lucida Sans" panose="020B0602030504020204" pitchFamily="2"/>
               </a:rPr>
               <a:t>OK</a:t>
             </a:r>
             <a:endParaRPr lang="en-US" sz="1600" dirty="0">
-              <a:latin typeface="Arial" pitchFamily="18"/>
-              <a:ea typeface="Microsoft YaHei" pitchFamily="2"/>
-              <a:cs typeface="Lucida Sans" pitchFamily="2"/>
+              <a:latin typeface="Arial" panose="020B0604020202020204" pitchFamily="18"/>
+              <a:ea typeface="Microsoft YaHei" panose="020B0503020204020204" pitchFamily="2" charset="-122"/>
+              <a:cs typeface="Lucida Sans" panose="020B0602030504020204" pitchFamily="2"/>
             </a:endParaRPr>
           </a:p>
         </p:txBody>
@@ -11791,16 +11899,16 @@
             </a:pPr>
             <a:r>
               <a:rPr lang="en-US" sz="1600" dirty="0" smtClean="0">
-                <a:latin typeface="Arial" pitchFamily="18"/>
-                <a:ea typeface="Microsoft YaHei" pitchFamily="2"/>
-                <a:cs typeface="Lucida Sans" pitchFamily="2"/>
+                <a:latin typeface="Arial" panose="020B0604020202020204" pitchFamily="18"/>
+                <a:ea typeface="Microsoft YaHei" panose="020B0503020204020204" pitchFamily="2" charset="-122"/>
+                <a:cs typeface="Lucida Sans" panose="020B0602030504020204" pitchFamily="2"/>
               </a:rPr>
               <a:t>SWAP</a:t>
             </a:r>
             <a:endParaRPr lang="en-US" sz="1600" dirty="0">
-              <a:latin typeface="Arial" pitchFamily="18"/>
-              <a:ea typeface="Microsoft YaHei" pitchFamily="2"/>
-              <a:cs typeface="Lucida Sans" pitchFamily="2"/>
+              <a:latin typeface="Arial" panose="020B0604020202020204" pitchFamily="18"/>
+              <a:ea typeface="Microsoft YaHei" panose="020B0503020204020204" pitchFamily="2" charset="-122"/>
+              <a:cs typeface="Lucida Sans" panose="020B0602030504020204" pitchFamily="2"/>
             </a:endParaRPr>
           </a:p>
         </p:txBody>
@@ -11921,12 +12029,12 @@
               <a:gd name="f98" fmla="*/ f95 f29 1"/>
             </a:gdLst>
             <a:ahLst>
-              <a:ahXY gdRefX="f0" minX="f7" maxX="f10" gdRefY="" minY="0" maxY="0">
+              <a:ahXY gdRefX="f0" minX="f7" maxX="f10">
                 <a:pos x="f36" y="f37"/>
               </a:ahXY>
             </a:ahLst>
             <a:cxnLst>
-              <a:cxn ang="3cd4">
+              <a:cxn ang="3">
                 <a:pos x="hc" y="t"/>
               </a:cxn>
               <a:cxn ang="0">
@@ -12031,9 +12139,9 @@
               <a:buNone/>
             </a:pPr>
             <a:endParaRPr lang="en-US" sz="1600" dirty="0">
-              <a:latin typeface="Arial" pitchFamily="18"/>
-              <a:ea typeface="Microsoft YaHei" pitchFamily="2"/>
-              <a:cs typeface="Lucida Sans" pitchFamily="2"/>
+              <a:latin typeface="Arial" panose="020B0604020202020204" pitchFamily="18"/>
+              <a:ea typeface="Microsoft YaHei" panose="020B0503020204020204" pitchFamily="2" charset="-122"/>
+              <a:cs typeface="Lucida Sans" panose="020B0602030504020204" pitchFamily="2"/>
             </a:endParaRPr>
           </a:p>
         </p:txBody>
@@ -12154,12 +12262,12 @@
               <a:gd name="f98" fmla="*/ f95 f29 1"/>
             </a:gdLst>
             <a:ahLst>
-              <a:ahXY gdRefX="f0" minX="f7" maxX="f10" gdRefY="" minY="0" maxY="0">
+              <a:ahXY gdRefX="f0" minX="f7" maxX="f10">
                 <a:pos x="f36" y="f37"/>
               </a:ahXY>
             </a:ahLst>
             <a:cxnLst>
-              <a:cxn ang="3cd4">
+              <a:cxn ang="3">
                 <a:pos x="hc" y="t"/>
               </a:cxn>
               <a:cxn ang="0">
@@ -12264,9 +12372,9 @@
               <a:buNone/>
             </a:pPr>
             <a:endParaRPr lang="en-US" sz="1600" dirty="0">
-              <a:latin typeface="Arial" pitchFamily="18"/>
-              <a:ea typeface="Microsoft YaHei" pitchFamily="2"/>
-              <a:cs typeface="Lucida Sans" pitchFamily="2"/>
+              <a:latin typeface="Arial" panose="020B0604020202020204" pitchFamily="18"/>
+              <a:ea typeface="Microsoft YaHei" panose="020B0503020204020204" pitchFamily="2" charset="-122"/>
+              <a:cs typeface="Lucida Sans" panose="020B0602030504020204" pitchFamily="2"/>
             </a:endParaRPr>
           </a:p>
         </p:txBody>
@@ -12387,12 +12495,12 @@
               <a:gd name="f98" fmla="*/ f95 f29 1"/>
             </a:gdLst>
             <a:ahLst>
-              <a:ahXY gdRefX="f0" minX="f7" maxX="f10" gdRefY="" minY="0" maxY="0">
+              <a:ahXY gdRefX="f0" minX="f7" maxX="f10">
                 <a:pos x="f36" y="f37"/>
               </a:ahXY>
             </a:ahLst>
             <a:cxnLst>
-              <a:cxn ang="3cd4">
+              <a:cxn ang="3">
                 <a:pos x="hc" y="t"/>
               </a:cxn>
               <a:cxn ang="0">
@@ -12497,9 +12605,9 @@
               <a:buNone/>
             </a:pPr>
             <a:endParaRPr lang="en-US" sz="1600" dirty="0">
-              <a:latin typeface="Arial" pitchFamily="18"/>
-              <a:ea typeface="Microsoft YaHei" pitchFamily="2"/>
-              <a:cs typeface="Lucida Sans" pitchFamily="2"/>
+              <a:latin typeface="Arial" panose="020B0604020202020204" pitchFamily="18"/>
+              <a:ea typeface="Microsoft YaHei" panose="020B0503020204020204" pitchFamily="2" charset="-122"/>
+              <a:cs typeface="Lucida Sans" panose="020B0602030504020204" pitchFamily="2"/>
             </a:endParaRPr>
           </a:p>
         </p:txBody>
@@ -12620,12 +12728,12 @@
               <a:gd name="f98" fmla="*/ f95 f29 1"/>
             </a:gdLst>
             <a:ahLst>
-              <a:ahXY gdRefX="f0" minX="f7" maxX="f10" gdRefY="" minY="0" maxY="0">
+              <a:ahXY gdRefX="f0" minX="f7" maxX="f10">
                 <a:pos x="f36" y="f37"/>
               </a:ahXY>
             </a:ahLst>
             <a:cxnLst>
-              <a:cxn ang="3cd4">
+              <a:cxn ang="3">
                 <a:pos x="hc" y="t"/>
               </a:cxn>
               <a:cxn ang="0">
@@ -12730,9 +12838,9 @@
               <a:buNone/>
             </a:pPr>
             <a:endParaRPr lang="en-US" sz="1600" dirty="0">
-              <a:latin typeface="Arial" pitchFamily="18"/>
-              <a:ea typeface="Microsoft YaHei" pitchFamily="2"/>
-              <a:cs typeface="Lucida Sans" pitchFamily="2"/>
+              <a:latin typeface="Arial" panose="020B0604020202020204" pitchFamily="18"/>
+              <a:ea typeface="Microsoft YaHei" panose="020B0503020204020204" pitchFamily="2" charset="-122"/>
+              <a:cs typeface="Lucida Sans" panose="020B0602030504020204" pitchFamily="2"/>
             </a:endParaRPr>
           </a:p>
         </p:txBody>
@@ -12760,17 +12868,18 @@
           <a:lstStyle/>
           <a:p>
             <a:pPr>
-              <a:buFont typeface="Arial" pitchFamily="34" charset="0"/>
+              <a:buFont typeface="Arial" panose="020B0604020202020204" pitchFamily="34" charset="0"/>
               <a:buChar char="•"/>
             </a:pPr>
             <a:r>
               <a:rPr lang="en-US" sz="1300" dirty="0" smtClean="0"/>
               <a:t>     Active frequency is shown with prefix “A” and standby frequency is shown with prefix “S”</a:t>
             </a:r>
+            <a:endParaRPr lang="en-US" sz="1300" dirty="0" smtClean="0"/>
           </a:p>
           <a:p>
             <a:pPr>
-              <a:buFont typeface="Arial" pitchFamily="34" charset="0"/>
+              <a:buFont typeface="Arial" panose="020B0604020202020204" pitchFamily="34" charset="0"/>
               <a:buChar char="•"/>
             </a:pPr>
             <a:r>
@@ -12789,10 +12898,11 @@
               <a:rPr lang="en-US" sz="1300" dirty="0" smtClean="0"/>
               <a:t>.</a:t>
             </a:r>
+            <a:endParaRPr lang="en-US" sz="1300" dirty="0" smtClean="0"/>
           </a:p>
           <a:p>
             <a:pPr>
-              <a:buFont typeface="Arial" pitchFamily="34" charset="0"/>
+              <a:buFont typeface="Arial" panose="020B0604020202020204" pitchFamily="34" charset="0"/>
               <a:buChar char="•"/>
             </a:pPr>
             <a:r>
@@ -12851,10 +12961,11 @@
               <a:rPr lang="en-US" sz="1300" dirty="0" smtClean="0"/>
               <a:t>and OK to confirm.</a:t>
             </a:r>
+            <a:endParaRPr lang="en-US" sz="1300" dirty="0" smtClean="0"/>
           </a:p>
           <a:p>
             <a:pPr marL="228600" indent="-228600">
-              <a:buFont typeface="Arial" pitchFamily="34" charset="0"/>
+              <a:buFont typeface="Arial" panose="020B0604020202020204" pitchFamily="34" charset="0"/>
               <a:buChar char="•"/>
             </a:pPr>
             <a:r>
@@ -12869,10 +12980,11 @@
               <a:rPr lang="en-US" sz="1300" dirty="0" smtClean="0"/>
               <a:t>8. P1…. P4 are shown on page 1. Press “Next” button to see page 2 with    P5….P8. Press “Back” to go back to page 1.</a:t>
             </a:r>
+            <a:endParaRPr lang="en-US" sz="1300" dirty="0" smtClean="0"/>
           </a:p>
           <a:p>
             <a:pPr marL="228600" indent="-228600">
-              <a:buFont typeface="Arial" pitchFamily="34" charset="0"/>
+              <a:buFont typeface="Arial" panose="020B0604020202020204" pitchFamily="34" charset="0"/>
               <a:buChar char="•"/>
             </a:pPr>
             <a:r>
@@ -12903,6 +13015,7 @@
               <a:rPr lang="en-US" sz="1300" dirty="0" smtClean="0"/>
               <a:t> frequency as standby frequency. </a:t>
             </a:r>
+            <a:endParaRPr lang="en-US" sz="1300" dirty="0" smtClean="0"/>
           </a:p>
         </p:txBody>
       </p:sp>
@@ -13154,12 +13267,12 @@
               <a:gd name="f98" fmla="*/ f95 f29 1"/>
             </a:gdLst>
             <a:ahLst>
-              <a:ahXY gdRefX="f0" minX="f7" maxX="f10" gdRefY="" minY="0" maxY="0">
+              <a:ahXY gdRefX="f0" minX="f7" maxX="f10">
                 <a:pos x="f36" y="f37"/>
               </a:ahXY>
             </a:ahLst>
             <a:cxnLst>
-              <a:cxn ang="3cd4">
+              <a:cxn ang="3">
                 <a:pos x="hc" y="t"/>
               </a:cxn>
               <a:cxn ang="0">
@@ -13264,9 +13377,9 @@
               <a:buNone/>
             </a:pPr>
             <a:endParaRPr lang="en-US" sz="1600" dirty="0">
-              <a:latin typeface="Arial" pitchFamily="18"/>
-              <a:ea typeface="Microsoft YaHei" pitchFamily="2"/>
-              <a:cs typeface="Lucida Sans" pitchFamily="2"/>
+              <a:latin typeface="Arial" panose="020B0604020202020204" pitchFamily="18"/>
+              <a:ea typeface="Microsoft YaHei" panose="020B0503020204020204" pitchFamily="2" charset="-122"/>
+              <a:cs typeface="Lucida Sans" panose="020B0602030504020204" pitchFamily="2"/>
             </a:endParaRPr>
           </a:p>
         </p:txBody>
@@ -13387,12 +13500,12 @@
               <a:gd name="f98" fmla="*/ f95 f29 1"/>
             </a:gdLst>
             <a:ahLst>
-              <a:ahXY gdRefX="f0" minX="f7" maxX="f10" gdRefY="" minY="0" maxY="0">
+              <a:ahXY gdRefX="f0" minX="f7" maxX="f10">
                 <a:pos x="f36" y="f37"/>
               </a:ahXY>
             </a:ahLst>
             <a:cxnLst>
-              <a:cxn ang="3cd4">
+              <a:cxn ang="3">
                 <a:pos x="hc" y="t"/>
               </a:cxn>
               <a:cxn ang="0">
@@ -13497,9 +13610,9 @@
               <a:buNone/>
             </a:pPr>
             <a:endParaRPr lang="en-US" sz="1600" dirty="0">
-              <a:latin typeface="Arial" pitchFamily="18"/>
-              <a:ea typeface="Microsoft YaHei" pitchFamily="2"/>
-              <a:cs typeface="Lucida Sans" pitchFamily="2"/>
+              <a:latin typeface="Arial" panose="020B0604020202020204" pitchFamily="18"/>
+              <a:ea typeface="Microsoft YaHei" panose="020B0503020204020204" pitchFamily="2" charset="-122"/>
+              <a:cs typeface="Lucida Sans" panose="020B0602030504020204" pitchFamily="2"/>
             </a:endParaRPr>
           </a:p>
         </p:txBody>
@@ -13586,16 +13699,16 @@
             </a:pPr>
             <a:r>
               <a:rPr lang="en-US" sz="1600" dirty="0" smtClean="0">
-                <a:latin typeface="Arial" pitchFamily="18"/>
-                <a:ea typeface="Microsoft YaHei" pitchFamily="2"/>
-                <a:cs typeface="Lucida Sans" pitchFamily="2"/>
+                <a:latin typeface="Arial" panose="020B0604020202020204" pitchFamily="18"/>
+                <a:ea typeface="Microsoft YaHei" panose="020B0503020204020204" pitchFamily="2" charset="-122"/>
+                <a:cs typeface="Lucida Sans" panose="020B0602030504020204" pitchFamily="2"/>
               </a:rPr>
               <a:t>PREV</a:t>
             </a:r>
             <a:endParaRPr lang="en-US" sz="1600" dirty="0">
-              <a:latin typeface="Arial" pitchFamily="18"/>
-              <a:ea typeface="Microsoft YaHei" pitchFamily="2"/>
-              <a:cs typeface="Lucida Sans" pitchFamily="2"/>
+              <a:latin typeface="Arial" panose="020B0604020202020204" pitchFamily="18"/>
+              <a:ea typeface="Microsoft YaHei" panose="020B0503020204020204" pitchFamily="2" charset="-122"/>
+              <a:cs typeface="Lucida Sans" panose="020B0602030504020204" pitchFamily="2"/>
             </a:endParaRPr>
           </a:p>
         </p:txBody>
@@ -13682,16 +13795,16 @@
             </a:pPr>
             <a:r>
               <a:rPr lang="en-US" sz="1600" dirty="0" smtClean="0">
-                <a:latin typeface="Arial" pitchFamily="18"/>
-                <a:ea typeface="Microsoft YaHei" pitchFamily="2"/>
-                <a:cs typeface="Lucida Sans" pitchFamily="2"/>
+                <a:latin typeface="Arial" panose="020B0604020202020204" pitchFamily="18"/>
+                <a:ea typeface="Microsoft YaHei" panose="020B0503020204020204" pitchFamily="2" charset="-122"/>
+                <a:cs typeface="Lucida Sans" panose="020B0602030504020204" pitchFamily="2"/>
               </a:rPr>
               <a:t>NEXT</a:t>
             </a:r>
             <a:endParaRPr lang="en-US" sz="1600" dirty="0">
-              <a:latin typeface="Arial" pitchFamily="18"/>
-              <a:ea typeface="Microsoft YaHei" pitchFamily="2"/>
-              <a:cs typeface="Lucida Sans" pitchFamily="2"/>
+              <a:latin typeface="Arial" panose="020B0604020202020204" pitchFamily="18"/>
+              <a:ea typeface="Microsoft YaHei" panose="020B0503020204020204" pitchFamily="2" charset="-122"/>
+              <a:cs typeface="Lucida Sans" panose="020B0602030504020204" pitchFamily="2"/>
             </a:endParaRPr>
           </a:p>
         </p:txBody>
@@ -14098,24 +14211,24 @@
             </a:pPr>
             <a:r>
               <a:rPr lang="en-US" sz="1300" dirty="0">
-                <a:latin typeface="Arial" pitchFamily="18"/>
-                <a:ea typeface="Microsoft YaHei" pitchFamily="2"/>
-                <a:cs typeface="Lucida Sans" pitchFamily="2"/>
+                <a:latin typeface="Arial" panose="020B0604020202020204" pitchFamily="18"/>
+                <a:ea typeface="Microsoft YaHei" panose="020B0503020204020204" pitchFamily="2" charset="-122"/>
+                <a:cs typeface="Lucida Sans" panose="020B0602030504020204" pitchFamily="2"/>
               </a:rPr>
               <a:t>A </a:t>
             </a:r>
             <a:r>
               <a:rPr lang="en-US" sz="1300" dirty="0" smtClean="0">
-                <a:latin typeface="Arial" pitchFamily="18"/>
-                <a:ea typeface="Microsoft YaHei" pitchFamily="2"/>
-                <a:cs typeface="Lucida Sans" pitchFamily="2"/>
+                <a:latin typeface="Arial" panose="020B0604020202020204" pitchFamily="18"/>
+                <a:ea typeface="Microsoft YaHei" panose="020B0503020204020204" pitchFamily="2" charset="-122"/>
+                <a:cs typeface="Lucida Sans" panose="020B0602030504020204" pitchFamily="2"/>
               </a:rPr>
               <a:t>118.25 </a:t>
             </a:r>
             <a:endParaRPr lang="en-US" sz="1300" dirty="0">
-              <a:latin typeface="Arial" pitchFamily="18"/>
-              <a:ea typeface="Microsoft YaHei" pitchFamily="2"/>
-              <a:cs typeface="Lucida Sans" pitchFamily="2"/>
+              <a:latin typeface="Arial" panose="020B0604020202020204" pitchFamily="18"/>
+              <a:ea typeface="Microsoft YaHei" panose="020B0503020204020204" pitchFamily="2" charset="-122"/>
+              <a:cs typeface="Lucida Sans" panose="020B0602030504020204" pitchFamily="2"/>
             </a:endParaRPr>
           </a:p>
         </p:txBody>
@@ -14202,24 +14315,24 @@
             </a:pPr>
             <a:r>
               <a:rPr lang="en-US" sz="1300" dirty="0">
-                <a:latin typeface="Arial" pitchFamily="18"/>
-                <a:ea typeface="Microsoft YaHei" pitchFamily="2"/>
-                <a:cs typeface="Lucida Sans" pitchFamily="2"/>
+                <a:latin typeface="Arial" panose="020B0604020202020204" pitchFamily="18"/>
+                <a:ea typeface="Microsoft YaHei" panose="020B0503020204020204" pitchFamily="2" charset="-122"/>
+                <a:cs typeface="Lucida Sans" panose="020B0602030504020204" pitchFamily="2"/>
               </a:rPr>
               <a:t>S </a:t>
             </a:r>
             <a:r>
               <a:rPr lang="en-US" sz="1300" dirty="0" smtClean="0">
-                <a:latin typeface="Arial" pitchFamily="18"/>
-                <a:ea typeface="Microsoft YaHei" pitchFamily="2"/>
-                <a:cs typeface="Lucida Sans" pitchFamily="2"/>
+                <a:latin typeface="Arial" panose="020B0604020202020204" pitchFamily="18"/>
+                <a:ea typeface="Microsoft YaHei" panose="020B0503020204020204" pitchFamily="2" charset="-122"/>
+                <a:cs typeface="Lucida Sans" panose="020B0602030504020204" pitchFamily="2"/>
               </a:rPr>
               <a:t>110.50</a:t>
             </a:r>
             <a:endParaRPr lang="en-US" sz="1300" dirty="0">
-              <a:latin typeface="Arial" pitchFamily="18"/>
-              <a:ea typeface="Microsoft YaHei" pitchFamily="2"/>
-              <a:cs typeface="Lucida Sans" pitchFamily="2"/>
+              <a:latin typeface="Arial" panose="020B0604020202020204" pitchFamily="18"/>
+              <a:ea typeface="Microsoft YaHei" panose="020B0503020204020204" pitchFamily="2" charset="-122"/>
+              <a:cs typeface="Lucida Sans" panose="020B0602030504020204" pitchFamily="2"/>
             </a:endParaRPr>
           </a:p>
         </p:txBody>
@@ -14306,16 +14419,16 @@
             </a:pPr>
             <a:r>
               <a:rPr lang="en-US" sz="1300" dirty="0" smtClean="0">
-                <a:latin typeface="Arial" pitchFamily="18"/>
-                <a:ea typeface="Microsoft YaHei" pitchFamily="2"/>
-                <a:cs typeface="Lucida Sans" pitchFamily="2"/>
+                <a:latin typeface="Arial" panose="020B0604020202020204" pitchFamily="18"/>
+                <a:ea typeface="Microsoft YaHei" panose="020B0503020204020204" pitchFamily="2" charset="-122"/>
+                <a:cs typeface="Lucida Sans" panose="020B0602030504020204" pitchFamily="2"/>
               </a:rPr>
               <a:t>PROG</a:t>
             </a:r>
             <a:endParaRPr lang="en-US" sz="1300" dirty="0">
-              <a:latin typeface="Arial" pitchFamily="18"/>
-              <a:ea typeface="Microsoft YaHei" pitchFamily="2"/>
-              <a:cs typeface="Lucida Sans" pitchFamily="2"/>
+              <a:latin typeface="Arial" panose="020B0604020202020204" pitchFamily="18"/>
+              <a:ea typeface="Microsoft YaHei" panose="020B0503020204020204" pitchFamily="2" charset="-122"/>
+              <a:cs typeface="Lucida Sans" panose="020B0602030504020204" pitchFamily="2"/>
             </a:endParaRPr>
           </a:p>
         </p:txBody>
@@ -14402,12 +14515,17 @@
             </a:pPr>
             <a:r>
               <a:rPr lang="en-US" sz="1300" dirty="0">
-                <a:latin typeface="Arial" pitchFamily="18"/>
-                <a:ea typeface="Microsoft YaHei" pitchFamily="2"/>
-                <a:cs typeface="Lucida Sans" pitchFamily="2"/>
+                <a:latin typeface="Arial" panose="020B0604020202020204" pitchFamily="18"/>
+                <a:ea typeface="Microsoft YaHei" panose="020B0503020204020204" pitchFamily="2" charset="-122"/>
+                <a:cs typeface="Lucida Sans" panose="020B0602030504020204" pitchFamily="2"/>
               </a:rPr>
               <a:t>P 1</a:t>
             </a:r>
+            <a:endParaRPr lang="en-US" sz="1300" dirty="0">
+              <a:latin typeface="Arial" panose="020B0604020202020204" pitchFamily="18"/>
+              <a:ea typeface="Microsoft YaHei" panose="020B0503020204020204" pitchFamily="2" charset="-122"/>
+              <a:cs typeface="Lucida Sans" panose="020B0602030504020204" pitchFamily="2"/>
+            </a:endParaRPr>
           </a:p>
         </p:txBody>
       </p:sp>
@@ -14493,12 +14611,17 @@
             </a:pPr>
             <a:r>
               <a:rPr lang="en-US" sz="1300" dirty="0">
-                <a:latin typeface="Arial" pitchFamily="18"/>
-                <a:ea typeface="Microsoft YaHei" pitchFamily="2"/>
-                <a:cs typeface="Lucida Sans" pitchFamily="2"/>
+                <a:latin typeface="Arial" panose="020B0604020202020204" pitchFamily="18"/>
+                <a:ea typeface="Microsoft YaHei" panose="020B0503020204020204" pitchFamily="2" charset="-122"/>
+                <a:cs typeface="Lucida Sans" panose="020B0602030504020204" pitchFamily="2"/>
               </a:rPr>
               <a:t>P 2</a:t>
             </a:r>
+            <a:endParaRPr lang="en-US" sz="1300" dirty="0">
+              <a:latin typeface="Arial" panose="020B0604020202020204" pitchFamily="18"/>
+              <a:ea typeface="Microsoft YaHei" panose="020B0503020204020204" pitchFamily="2" charset="-122"/>
+              <a:cs typeface="Lucida Sans" panose="020B0602030504020204" pitchFamily="2"/>
+            </a:endParaRPr>
           </a:p>
         </p:txBody>
       </p:sp>
@@ -14584,12 +14707,17 @@
             </a:pPr>
             <a:r>
               <a:rPr lang="en-US" sz="1300" dirty="0">
-                <a:latin typeface="Arial" pitchFamily="18"/>
-                <a:ea typeface="Microsoft YaHei" pitchFamily="2"/>
-                <a:cs typeface="Lucida Sans" pitchFamily="2"/>
+                <a:latin typeface="Arial" panose="020B0604020202020204" pitchFamily="18"/>
+                <a:ea typeface="Microsoft YaHei" panose="020B0503020204020204" pitchFamily="2" charset="-122"/>
+                <a:cs typeface="Lucida Sans" panose="020B0602030504020204" pitchFamily="2"/>
               </a:rPr>
               <a:t>P 3</a:t>
             </a:r>
+            <a:endParaRPr lang="en-US" sz="1300" dirty="0">
+              <a:latin typeface="Arial" panose="020B0604020202020204" pitchFamily="18"/>
+              <a:ea typeface="Microsoft YaHei" panose="020B0503020204020204" pitchFamily="2" charset="-122"/>
+              <a:cs typeface="Lucida Sans" panose="020B0602030504020204" pitchFamily="2"/>
+            </a:endParaRPr>
           </a:p>
         </p:txBody>
       </p:sp>
@@ -14675,12 +14803,17 @@
             </a:pPr>
             <a:r>
               <a:rPr lang="en-US" sz="1300" dirty="0">
-                <a:latin typeface="Arial" pitchFamily="18"/>
-                <a:ea typeface="Microsoft YaHei" pitchFamily="2"/>
-                <a:cs typeface="Lucida Sans" pitchFamily="2"/>
+                <a:latin typeface="Arial" panose="020B0604020202020204" pitchFamily="18"/>
+                <a:ea typeface="Microsoft YaHei" panose="020B0503020204020204" pitchFamily="2" charset="-122"/>
+                <a:cs typeface="Lucida Sans" panose="020B0602030504020204" pitchFamily="2"/>
               </a:rPr>
               <a:t>P 4</a:t>
             </a:r>
+            <a:endParaRPr lang="en-US" sz="1300" dirty="0">
+              <a:latin typeface="Arial" panose="020B0604020202020204" pitchFamily="18"/>
+              <a:ea typeface="Microsoft YaHei" panose="020B0503020204020204" pitchFamily="2" charset="-122"/>
+              <a:cs typeface="Lucida Sans" panose="020B0602030504020204" pitchFamily="2"/>
+            </a:endParaRPr>
           </a:p>
         </p:txBody>
       </p:sp>
@@ -14882,10 +15015,6 @@
               </a:rPr>
               <a:t>VHF Selected</a:t>
             </a:r>
-            <a:r>
-              <a:rPr lang="en-US" sz="2500" dirty="0"/>
-              <a:t/>
-            </a:r>
             <a:br>
               <a:rPr lang="en-US" sz="2500" dirty="0"/>
             </a:br>
@@ -14976,9 +15105,9 @@
               <a:buNone/>
             </a:pPr>
             <a:endParaRPr lang="en-US" sz="1600" dirty="0">
-              <a:latin typeface="Arial" pitchFamily="18"/>
-              <a:ea typeface="Microsoft YaHei" pitchFamily="2"/>
-              <a:cs typeface="Lucida Sans" pitchFamily="2"/>
+              <a:latin typeface="Arial" panose="020B0604020202020204" pitchFamily="18"/>
+              <a:ea typeface="Microsoft YaHei" panose="020B0503020204020204" pitchFamily="2" charset="-122"/>
+              <a:cs typeface="Lucida Sans" panose="020B0602030504020204" pitchFamily="2"/>
             </a:endParaRPr>
           </a:p>
         </p:txBody>
@@ -15099,12 +15228,12 @@
               <a:gd name="f98" fmla="*/ f95 f29 1"/>
             </a:gdLst>
             <a:ahLst>
-              <a:ahXY gdRefX="f0" minX="f7" maxX="f10" gdRefY="" minY="0" maxY="0">
+              <a:ahXY gdRefX="f0" minX="f7" maxX="f10">
                 <a:pos x="f36" y="f37"/>
               </a:ahXY>
             </a:ahLst>
             <a:cxnLst>
-              <a:cxn ang="3cd4">
+              <a:cxn ang="3">
                 <a:pos x="hc" y="t"/>
               </a:cxn>
               <a:cxn ang="0">
@@ -15209,9 +15338,9 @@
               <a:buNone/>
             </a:pPr>
             <a:endParaRPr lang="en-US" sz="1600" dirty="0">
-              <a:latin typeface="Arial" pitchFamily="18"/>
-              <a:ea typeface="Microsoft YaHei" pitchFamily="2"/>
-              <a:cs typeface="Lucida Sans" pitchFamily="2"/>
+              <a:latin typeface="Arial" panose="020B0604020202020204" pitchFamily="18"/>
+              <a:ea typeface="Microsoft YaHei" panose="020B0503020204020204" pitchFamily="2" charset="-122"/>
+              <a:cs typeface="Lucida Sans" panose="020B0602030504020204" pitchFamily="2"/>
             </a:endParaRPr>
           </a:p>
         </p:txBody>
@@ -15332,12 +15461,12 @@
               <a:gd name="f98" fmla="*/ f95 f29 1"/>
             </a:gdLst>
             <a:ahLst>
-              <a:ahXY gdRefX="f0" minX="f7" maxX="f10" gdRefY="" minY="0" maxY="0">
+              <a:ahXY gdRefX="f0" minX="f7" maxX="f10">
                 <a:pos x="f36" y="f37"/>
               </a:ahXY>
             </a:ahLst>
             <a:cxnLst>
-              <a:cxn ang="3cd4">
+              <a:cxn ang="3">
                 <a:pos x="hc" y="t"/>
               </a:cxn>
               <a:cxn ang="0">
@@ -15442,9 +15571,9 @@
               <a:buNone/>
             </a:pPr>
             <a:endParaRPr lang="en-US" sz="1600" dirty="0">
-              <a:latin typeface="Arial" pitchFamily="18"/>
-              <a:ea typeface="Microsoft YaHei" pitchFamily="2"/>
-              <a:cs typeface="Lucida Sans" pitchFamily="2"/>
+              <a:latin typeface="Arial" panose="020B0604020202020204" pitchFamily="18"/>
+              <a:ea typeface="Microsoft YaHei" panose="020B0503020204020204" pitchFamily="2" charset="-122"/>
+              <a:cs typeface="Lucida Sans" panose="020B0602030504020204" pitchFamily="2"/>
             </a:endParaRPr>
           </a:p>
         </p:txBody>
@@ -15565,12 +15694,12 @@
               <a:gd name="f98" fmla="*/ f95 f29 1"/>
             </a:gdLst>
             <a:ahLst>
-              <a:ahXY gdRefX="f0" minX="f7" maxX="f10" gdRefY="" minY="0" maxY="0">
+              <a:ahXY gdRefX="f0" minX="f7" maxX="f10">
                 <a:pos x="f36" y="f37"/>
               </a:ahXY>
             </a:ahLst>
             <a:cxnLst>
-              <a:cxn ang="3cd4">
+              <a:cxn ang="3">
                 <a:pos x="hc" y="t"/>
               </a:cxn>
               <a:cxn ang="0">
@@ -15675,9 +15804,9 @@
               <a:buNone/>
             </a:pPr>
             <a:endParaRPr lang="en-US" sz="1600" dirty="0">
-              <a:latin typeface="Arial" pitchFamily="18"/>
-              <a:ea typeface="Microsoft YaHei" pitchFamily="2"/>
-              <a:cs typeface="Lucida Sans" pitchFamily="2"/>
+              <a:latin typeface="Arial" panose="020B0604020202020204" pitchFamily="18"/>
+              <a:ea typeface="Microsoft YaHei" panose="020B0503020204020204" pitchFamily="2" charset="-122"/>
+              <a:cs typeface="Lucida Sans" panose="020B0602030504020204" pitchFamily="2"/>
             </a:endParaRPr>
           </a:p>
         </p:txBody>
@@ -15798,12 +15927,12 @@
               <a:gd name="f98" fmla="*/ f95 f29 1"/>
             </a:gdLst>
             <a:ahLst>
-              <a:ahXY gdRefX="f0" minX="f7" maxX="f10" gdRefY="" minY="0" maxY="0">
+              <a:ahXY gdRefX="f0" minX="f7" maxX="f10">
                 <a:pos x="f36" y="f37"/>
               </a:ahXY>
             </a:ahLst>
             <a:cxnLst>
-              <a:cxn ang="3cd4">
+              <a:cxn ang="3">
                 <a:pos x="hc" y="t"/>
               </a:cxn>
               <a:cxn ang="0">
@@ -15908,9 +16037,9 @@
               <a:buNone/>
             </a:pPr>
             <a:endParaRPr lang="en-US" sz="1600" dirty="0">
-              <a:latin typeface="Arial" pitchFamily="18"/>
-              <a:ea typeface="Microsoft YaHei" pitchFamily="2"/>
-              <a:cs typeface="Lucida Sans" pitchFamily="2"/>
+              <a:latin typeface="Arial" panose="020B0604020202020204" pitchFamily="18"/>
+              <a:ea typeface="Microsoft YaHei" panose="020B0503020204020204" pitchFamily="2" charset="-122"/>
+              <a:cs typeface="Lucida Sans" panose="020B0602030504020204" pitchFamily="2"/>
             </a:endParaRPr>
           </a:p>
         </p:txBody>
@@ -15997,16 +16126,16 @@
             </a:pPr>
             <a:r>
               <a:rPr lang="en-US" sz="1600" dirty="0" smtClean="0">
-                <a:latin typeface="Arial" pitchFamily="18"/>
-                <a:ea typeface="Microsoft YaHei" pitchFamily="2"/>
-                <a:cs typeface="Lucida Sans" pitchFamily="2"/>
+                <a:latin typeface="Arial" panose="020B0604020202020204" pitchFamily="18"/>
+                <a:ea typeface="Microsoft YaHei" panose="020B0503020204020204" pitchFamily="2" charset="-122"/>
+                <a:cs typeface="Lucida Sans" panose="020B0602030504020204" pitchFamily="2"/>
               </a:rPr>
               <a:t>NAV</a:t>
             </a:r>
             <a:endParaRPr lang="en-US" sz="1600" dirty="0">
-              <a:latin typeface="Arial" pitchFamily="18"/>
-              <a:ea typeface="Microsoft YaHei" pitchFamily="2"/>
-              <a:cs typeface="Lucida Sans" pitchFamily="2"/>
+              <a:latin typeface="Arial" panose="020B0604020202020204" pitchFamily="18"/>
+              <a:ea typeface="Microsoft YaHei" panose="020B0503020204020204" pitchFamily="2" charset="-122"/>
+              <a:cs typeface="Lucida Sans" panose="020B0602030504020204" pitchFamily="2"/>
             </a:endParaRPr>
           </a:p>
         </p:txBody>
@@ -16127,12 +16256,12 @@
               <a:gd name="f98" fmla="*/ f95 f29 1"/>
             </a:gdLst>
             <a:ahLst>
-              <a:ahXY gdRefX="f0" minX="f7" maxX="f10" gdRefY="" minY="0" maxY="0">
+              <a:ahXY gdRefX="f0" minX="f7" maxX="f10">
                 <a:pos x="f36" y="f37"/>
               </a:ahXY>
             </a:ahLst>
             <a:cxnLst>
-              <a:cxn ang="3cd4">
+              <a:cxn ang="3">
                 <a:pos x="hc" y="t"/>
               </a:cxn>
               <a:cxn ang="0">
@@ -16237,9 +16366,9 @@
               <a:buNone/>
             </a:pPr>
             <a:endParaRPr lang="en-US" sz="1600" dirty="0">
-              <a:latin typeface="Arial" pitchFamily="18"/>
-              <a:ea typeface="Microsoft YaHei" pitchFamily="2"/>
-              <a:cs typeface="Lucida Sans" pitchFamily="2"/>
+              <a:latin typeface="Arial" panose="020B0604020202020204" pitchFamily="18"/>
+              <a:ea typeface="Microsoft YaHei" panose="020B0503020204020204" pitchFamily="2" charset="-122"/>
+              <a:cs typeface="Lucida Sans" panose="020B0602030504020204" pitchFamily="2"/>
             </a:endParaRPr>
           </a:p>
         </p:txBody>
@@ -16360,12 +16489,12 @@
               <a:gd name="f98" fmla="*/ f95 f29 1"/>
             </a:gdLst>
             <a:ahLst>
-              <a:ahXY gdRefX="f0" minX="f7" maxX="f10" gdRefY="" minY="0" maxY="0">
+              <a:ahXY gdRefX="f0" minX="f7" maxX="f10">
                 <a:pos x="f36" y="f37"/>
               </a:ahXY>
             </a:ahLst>
             <a:cxnLst>
-              <a:cxn ang="3cd4">
+              <a:cxn ang="3">
                 <a:pos x="hc" y="t"/>
               </a:cxn>
               <a:cxn ang="0">
@@ -16470,9 +16599,9 @@
               <a:buNone/>
             </a:pPr>
             <a:endParaRPr lang="en-US" sz="1600" dirty="0">
-              <a:latin typeface="Arial" pitchFamily="18"/>
-              <a:ea typeface="Microsoft YaHei" pitchFamily="2"/>
-              <a:cs typeface="Lucida Sans" pitchFamily="2"/>
+              <a:latin typeface="Arial" panose="020B0604020202020204" pitchFamily="18"/>
+              <a:ea typeface="Microsoft YaHei" panose="020B0503020204020204" pitchFamily="2" charset="-122"/>
+              <a:cs typeface="Lucida Sans" panose="020B0602030504020204" pitchFamily="2"/>
             </a:endParaRPr>
           </a:p>
         </p:txBody>
@@ -16593,12 +16722,12 @@
               <a:gd name="f98" fmla="*/ f95 f29 1"/>
             </a:gdLst>
             <a:ahLst>
-              <a:ahXY gdRefX="f0" minX="f7" maxX="f10" gdRefY="" minY="0" maxY="0">
+              <a:ahXY gdRefX="f0" minX="f7" maxX="f10">
                 <a:pos x="f36" y="f37"/>
               </a:ahXY>
             </a:ahLst>
             <a:cxnLst>
-              <a:cxn ang="3cd4">
+              <a:cxn ang="3">
                 <a:pos x="hc" y="t"/>
               </a:cxn>
               <a:cxn ang="0">
@@ -16703,9 +16832,9 @@
               <a:buNone/>
             </a:pPr>
             <a:endParaRPr lang="en-US" sz="1600" dirty="0">
-              <a:latin typeface="Arial" pitchFamily="18"/>
-              <a:ea typeface="Microsoft YaHei" pitchFamily="2"/>
-              <a:cs typeface="Lucida Sans" pitchFamily="2"/>
+              <a:latin typeface="Arial" panose="020B0604020202020204" pitchFamily="18"/>
+              <a:ea typeface="Microsoft YaHei" panose="020B0503020204020204" pitchFamily="2" charset="-122"/>
+              <a:cs typeface="Lucida Sans" panose="020B0602030504020204" pitchFamily="2"/>
             </a:endParaRPr>
           </a:p>
         </p:txBody>
@@ -16826,12 +16955,12 @@
               <a:gd name="f98" fmla="*/ f95 f29 1"/>
             </a:gdLst>
             <a:ahLst>
-              <a:ahXY gdRefX="f0" minX="f7" maxX="f10" gdRefY="" minY="0" maxY="0">
+              <a:ahXY gdRefX="f0" minX="f7" maxX="f10">
                 <a:pos x="f36" y="f37"/>
               </a:ahXY>
             </a:ahLst>
             <a:cxnLst>
-              <a:cxn ang="3cd4">
+              <a:cxn ang="3">
                 <a:pos x="hc" y="t"/>
               </a:cxn>
               <a:cxn ang="0">
@@ -16936,9 +17065,9 @@
               <a:buNone/>
             </a:pPr>
             <a:endParaRPr lang="en-US" sz="1600" dirty="0">
-              <a:latin typeface="Arial" pitchFamily="18"/>
-              <a:ea typeface="Microsoft YaHei" pitchFamily="2"/>
-              <a:cs typeface="Lucida Sans" pitchFamily="2"/>
+              <a:latin typeface="Arial" panose="020B0604020202020204" pitchFamily="18"/>
+              <a:ea typeface="Microsoft YaHei" panose="020B0503020204020204" pitchFamily="2" charset="-122"/>
+              <a:cs typeface="Lucida Sans" panose="020B0602030504020204" pitchFamily="2"/>
             </a:endParaRPr>
           </a:p>
         </p:txBody>
@@ -17025,16 +17154,16 @@
             </a:pPr>
             <a:r>
               <a:rPr lang="en-US" sz="1600" dirty="0" smtClean="0">
-                <a:latin typeface="Arial" pitchFamily="18"/>
-                <a:ea typeface="Microsoft YaHei" pitchFamily="2"/>
-                <a:cs typeface="Lucida Sans" pitchFamily="2"/>
+                <a:latin typeface="Arial" panose="020B0604020202020204" pitchFamily="18"/>
+                <a:ea typeface="Microsoft YaHei" panose="020B0503020204020204" pitchFamily="2" charset="-122"/>
+                <a:cs typeface="Lucida Sans" panose="020B0602030504020204" pitchFamily="2"/>
               </a:rPr>
               <a:t>BACK</a:t>
             </a:r>
             <a:endParaRPr lang="en-US" sz="1600" dirty="0">
-              <a:latin typeface="Arial" pitchFamily="18"/>
-              <a:ea typeface="Microsoft YaHei" pitchFamily="2"/>
-              <a:cs typeface="Lucida Sans" pitchFamily="2"/>
+              <a:latin typeface="Arial" panose="020B0604020202020204" pitchFamily="18"/>
+              <a:ea typeface="Microsoft YaHei" panose="020B0503020204020204" pitchFamily="2" charset="-122"/>
+              <a:cs typeface="Lucida Sans" panose="020B0602030504020204" pitchFamily="2"/>
             </a:endParaRPr>
           </a:p>
         </p:txBody>
@@ -17121,16 +17250,16 @@
             </a:pPr>
             <a:r>
               <a:rPr lang="en-US" sz="1600" dirty="0" smtClean="0">
-                <a:latin typeface="Arial" pitchFamily="18"/>
-                <a:ea typeface="Microsoft YaHei" pitchFamily="2"/>
-                <a:cs typeface="Lucida Sans" pitchFamily="2"/>
+                <a:latin typeface="Arial" panose="020B0604020202020204" pitchFamily="18"/>
+                <a:ea typeface="Microsoft YaHei" panose="020B0503020204020204" pitchFamily="2" charset="-122"/>
+                <a:cs typeface="Lucida Sans" panose="020B0602030504020204" pitchFamily="2"/>
               </a:rPr>
               <a:t>HOME</a:t>
             </a:r>
             <a:endParaRPr lang="en-US" sz="1600" dirty="0">
-              <a:latin typeface="Arial" pitchFamily="18"/>
-              <a:ea typeface="Microsoft YaHei" pitchFamily="2"/>
-              <a:cs typeface="Lucida Sans" pitchFamily="2"/>
+              <a:latin typeface="Arial" panose="020B0604020202020204" pitchFamily="18"/>
+              <a:ea typeface="Microsoft YaHei" panose="020B0503020204020204" pitchFamily="2" charset="-122"/>
+              <a:cs typeface="Lucida Sans" panose="020B0602030504020204" pitchFamily="2"/>
             </a:endParaRPr>
           </a:p>
         </p:txBody>
@@ -17217,16 +17346,16 @@
             </a:pPr>
             <a:r>
               <a:rPr lang="en-US" sz="1600" dirty="0" smtClean="0">
-                <a:latin typeface="Arial" pitchFamily="18"/>
-                <a:ea typeface="Microsoft YaHei" pitchFamily="2"/>
-                <a:cs typeface="Lucida Sans" pitchFamily="2"/>
+                <a:latin typeface="Arial" panose="020B0604020202020204" pitchFamily="18"/>
+                <a:ea typeface="Microsoft YaHei" panose="020B0503020204020204" pitchFamily="2" charset="-122"/>
+                <a:cs typeface="Lucida Sans" panose="020B0602030504020204" pitchFamily="2"/>
               </a:rPr>
               <a:t>OK</a:t>
             </a:r>
             <a:endParaRPr lang="en-US" sz="1600" dirty="0">
-              <a:latin typeface="Arial" pitchFamily="18"/>
-              <a:ea typeface="Microsoft YaHei" pitchFamily="2"/>
-              <a:cs typeface="Lucida Sans" pitchFamily="2"/>
+              <a:latin typeface="Arial" panose="020B0604020202020204" pitchFamily="18"/>
+              <a:ea typeface="Microsoft YaHei" panose="020B0503020204020204" pitchFamily="2" charset="-122"/>
+              <a:cs typeface="Lucida Sans" panose="020B0602030504020204" pitchFamily="2"/>
             </a:endParaRPr>
           </a:p>
         </p:txBody>
@@ -17313,16 +17442,16 @@
             </a:pPr>
             <a:r>
               <a:rPr lang="en-US" sz="1600" dirty="0" smtClean="0">
-                <a:latin typeface="Arial" pitchFamily="18"/>
-                <a:ea typeface="Microsoft YaHei" pitchFamily="2"/>
-                <a:cs typeface="Lucida Sans" pitchFamily="2"/>
+                <a:latin typeface="Arial" panose="020B0604020202020204" pitchFamily="18"/>
+                <a:ea typeface="Microsoft YaHei" panose="020B0503020204020204" pitchFamily="2" charset="-122"/>
+                <a:cs typeface="Lucida Sans" panose="020B0602030504020204" pitchFamily="2"/>
               </a:rPr>
               <a:t>SWAP</a:t>
             </a:r>
             <a:endParaRPr lang="en-US" sz="1600" dirty="0">
-              <a:latin typeface="Arial" pitchFamily="18"/>
-              <a:ea typeface="Microsoft YaHei" pitchFamily="2"/>
-              <a:cs typeface="Lucida Sans" pitchFamily="2"/>
+              <a:latin typeface="Arial" panose="020B0604020202020204" pitchFamily="18"/>
+              <a:ea typeface="Microsoft YaHei" panose="020B0503020204020204" pitchFamily="2" charset="-122"/>
+              <a:cs typeface="Lucida Sans" panose="020B0602030504020204" pitchFamily="2"/>
             </a:endParaRPr>
           </a:p>
         </p:txBody>
@@ -17443,12 +17572,12 @@
               <a:gd name="f98" fmla="*/ f95 f29 1"/>
             </a:gdLst>
             <a:ahLst>
-              <a:ahXY gdRefX="f0" minX="f7" maxX="f10" gdRefY="" minY="0" maxY="0">
+              <a:ahXY gdRefX="f0" minX="f7" maxX="f10">
                 <a:pos x="f36" y="f37"/>
               </a:ahXY>
             </a:ahLst>
             <a:cxnLst>
-              <a:cxn ang="3cd4">
+              <a:cxn ang="3">
                 <a:pos x="hc" y="t"/>
               </a:cxn>
               <a:cxn ang="0">
@@ -17553,9 +17682,9 @@
               <a:buNone/>
             </a:pPr>
             <a:endParaRPr lang="en-US" sz="1600" dirty="0">
-              <a:latin typeface="Arial" pitchFamily="18"/>
-              <a:ea typeface="Microsoft YaHei" pitchFamily="2"/>
-              <a:cs typeface="Lucida Sans" pitchFamily="2"/>
+              <a:latin typeface="Arial" panose="020B0604020202020204" pitchFamily="18"/>
+              <a:ea typeface="Microsoft YaHei" panose="020B0503020204020204" pitchFamily="2" charset="-122"/>
+              <a:cs typeface="Lucida Sans" panose="020B0602030504020204" pitchFamily="2"/>
             </a:endParaRPr>
           </a:p>
         </p:txBody>
@@ -17676,12 +17805,12 @@
               <a:gd name="f98" fmla="*/ f95 f29 1"/>
             </a:gdLst>
             <a:ahLst>
-              <a:ahXY gdRefX="f0" minX="f7" maxX="f10" gdRefY="" minY="0" maxY="0">
+              <a:ahXY gdRefX="f0" minX="f7" maxX="f10">
                 <a:pos x="f36" y="f37"/>
               </a:ahXY>
             </a:ahLst>
             <a:cxnLst>
-              <a:cxn ang="3cd4">
+              <a:cxn ang="3">
                 <a:pos x="hc" y="t"/>
               </a:cxn>
               <a:cxn ang="0">
@@ -17786,9 +17915,9 @@
               <a:buNone/>
             </a:pPr>
             <a:endParaRPr lang="en-US" sz="1600" dirty="0">
-              <a:latin typeface="Arial" pitchFamily="18"/>
-              <a:ea typeface="Microsoft YaHei" pitchFamily="2"/>
-              <a:cs typeface="Lucida Sans" pitchFamily="2"/>
+              <a:latin typeface="Arial" panose="020B0604020202020204" pitchFamily="18"/>
+              <a:ea typeface="Microsoft YaHei" panose="020B0503020204020204" pitchFamily="2" charset="-122"/>
+              <a:cs typeface="Lucida Sans" panose="020B0602030504020204" pitchFamily="2"/>
             </a:endParaRPr>
           </a:p>
         </p:txBody>
@@ -17909,12 +18038,12 @@
               <a:gd name="f98" fmla="*/ f95 f29 1"/>
             </a:gdLst>
             <a:ahLst>
-              <a:ahXY gdRefX="f0" minX="f7" maxX="f10" gdRefY="" minY="0" maxY="0">
+              <a:ahXY gdRefX="f0" minX="f7" maxX="f10">
                 <a:pos x="f36" y="f37"/>
               </a:ahXY>
             </a:ahLst>
             <a:cxnLst>
-              <a:cxn ang="3cd4">
+              <a:cxn ang="3">
                 <a:pos x="hc" y="t"/>
               </a:cxn>
               <a:cxn ang="0">
@@ -18019,9 +18148,9 @@
               <a:buNone/>
             </a:pPr>
             <a:endParaRPr lang="en-US" sz="1600" dirty="0">
-              <a:latin typeface="Arial" pitchFamily="18"/>
-              <a:ea typeface="Microsoft YaHei" pitchFamily="2"/>
-              <a:cs typeface="Lucida Sans" pitchFamily="2"/>
+              <a:latin typeface="Arial" panose="020B0604020202020204" pitchFamily="18"/>
+              <a:ea typeface="Microsoft YaHei" panose="020B0503020204020204" pitchFamily="2" charset="-122"/>
+              <a:cs typeface="Lucida Sans" panose="020B0602030504020204" pitchFamily="2"/>
             </a:endParaRPr>
           </a:p>
         </p:txBody>
@@ -18142,12 +18271,12 @@
               <a:gd name="f98" fmla="*/ f95 f29 1"/>
             </a:gdLst>
             <a:ahLst>
-              <a:ahXY gdRefX="f0" minX="f7" maxX="f10" gdRefY="" minY="0" maxY="0">
+              <a:ahXY gdRefX="f0" minX="f7" maxX="f10">
                 <a:pos x="f36" y="f37"/>
               </a:ahXY>
             </a:ahLst>
             <a:cxnLst>
-              <a:cxn ang="3cd4">
+              <a:cxn ang="3">
                 <a:pos x="hc" y="t"/>
               </a:cxn>
               <a:cxn ang="0">
@@ -18252,9 +18381,9 @@
               <a:buNone/>
             </a:pPr>
             <a:endParaRPr lang="en-US" sz="1600" dirty="0">
-              <a:latin typeface="Arial" pitchFamily="18"/>
-              <a:ea typeface="Microsoft YaHei" pitchFamily="2"/>
-              <a:cs typeface="Lucida Sans" pitchFamily="2"/>
+              <a:latin typeface="Arial" panose="020B0604020202020204" pitchFamily="18"/>
+              <a:ea typeface="Microsoft YaHei" panose="020B0503020204020204" pitchFamily="2" charset="-122"/>
+              <a:cs typeface="Lucida Sans" panose="020B0602030504020204" pitchFamily="2"/>
             </a:endParaRPr>
           </a:p>
         </p:txBody>
@@ -18282,7 +18411,7 @@
           <a:lstStyle/>
           <a:p>
             <a:pPr>
-              <a:buFont typeface="Arial" pitchFamily="34" charset="0"/>
+              <a:buFont typeface="Arial" panose="020B0604020202020204" pitchFamily="34" charset="0"/>
               <a:buChar char="•"/>
             </a:pPr>
             <a:r>
@@ -18305,10 +18434,11 @@
               <a:rPr lang="en-US" sz="1300" dirty="0" smtClean="0"/>
               <a:t>press “PROG”. The program page will be shown.</a:t>
             </a:r>
+            <a:endParaRPr lang="en-US" sz="1300" dirty="0" smtClean="0"/>
           </a:p>
           <a:p>
             <a:pPr>
-              <a:buFont typeface="Arial" pitchFamily="34" charset="0"/>
+              <a:buFont typeface="Arial" panose="020B0604020202020204" pitchFamily="34" charset="0"/>
               <a:buChar char="•"/>
             </a:pPr>
             <a:r>
@@ -18331,7 +18461,7 @@
           </a:p>
           <a:p>
             <a:pPr>
-              <a:buFont typeface="Arial" pitchFamily="34" charset="0"/>
+              <a:buFont typeface="Arial" panose="020B0604020202020204" pitchFamily="34" charset="0"/>
               <a:buChar char="•"/>
             </a:pPr>
             <a:r>
@@ -18594,12 +18724,12 @@
               <a:gd name="f98" fmla="*/ f95 f29 1"/>
             </a:gdLst>
             <a:ahLst>
-              <a:ahXY gdRefX="f0" minX="f7" maxX="f10" gdRefY="" minY="0" maxY="0">
+              <a:ahXY gdRefX="f0" minX="f7" maxX="f10">
                 <a:pos x="f36" y="f37"/>
               </a:ahXY>
             </a:ahLst>
             <a:cxnLst>
-              <a:cxn ang="3cd4">
+              <a:cxn ang="3">
                 <a:pos x="hc" y="t"/>
               </a:cxn>
               <a:cxn ang="0">
@@ -18704,9 +18834,9 @@
               <a:buNone/>
             </a:pPr>
             <a:endParaRPr lang="en-US" sz="1600" dirty="0">
-              <a:latin typeface="Arial" pitchFamily="18"/>
-              <a:ea typeface="Microsoft YaHei" pitchFamily="2"/>
-              <a:cs typeface="Lucida Sans" pitchFamily="2"/>
+              <a:latin typeface="Arial" panose="020B0604020202020204" pitchFamily="18"/>
+              <a:ea typeface="Microsoft YaHei" panose="020B0503020204020204" pitchFamily="2" charset="-122"/>
+              <a:cs typeface="Lucida Sans" panose="020B0602030504020204" pitchFamily="2"/>
             </a:endParaRPr>
           </a:p>
         </p:txBody>
@@ -18827,12 +18957,12 @@
               <a:gd name="f98" fmla="*/ f95 f29 1"/>
             </a:gdLst>
             <a:ahLst>
-              <a:ahXY gdRefX="f0" minX="f7" maxX="f10" gdRefY="" minY="0" maxY="0">
+              <a:ahXY gdRefX="f0" minX="f7" maxX="f10">
                 <a:pos x="f36" y="f37"/>
               </a:ahXY>
             </a:ahLst>
             <a:cxnLst>
-              <a:cxn ang="3cd4">
+              <a:cxn ang="3">
                 <a:pos x="hc" y="t"/>
               </a:cxn>
               <a:cxn ang="0">
@@ -18937,9 +19067,9 @@
               <a:buNone/>
             </a:pPr>
             <a:endParaRPr lang="en-US" sz="1600" dirty="0">
-              <a:latin typeface="Arial" pitchFamily="18"/>
-              <a:ea typeface="Microsoft YaHei" pitchFamily="2"/>
-              <a:cs typeface="Lucida Sans" pitchFamily="2"/>
+              <a:latin typeface="Arial" panose="020B0604020202020204" pitchFamily="18"/>
+              <a:ea typeface="Microsoft YaHei" panose="020B0503020204020204" pitchFamily="2" charset="-122"/>
+              <a:cs typeface="Lucida Sans" panose="020B0602030504020204" pitchFamily="2"/>
             </a:endParaRPr>
           </a:p>
         </p:txBody>
@@ -19026,16 +19156,16 @@
             </a:pPr>
             <a:r>
               <a:rPr lang="en-US" sz="1600" dirty="0" smtClean="0">
-                <a:latin typeface="Arial" pitchFamily="18"/>
-                <a:ea typeface="Microsoft YaHei" pitchFamily="2"/>
-                <a:cs typeface="Lucida Sans" pitchFamily="2"/>
+                <a:latin typeface="Arial" panose="020B0604020202020204" pitchFamily="18"/>
+                <a:ea typeface="Microsoft YaHei" panose="020B0503020204020204" pitchFamily="2" charset="-122"/>
+                <a:cs typeface="Lucida Sans" panose="020B0602030504020204" pitchFamily="2"/>
               </a:rPr>
               <a:t>PREV</a:t>
             </a:r>
             <a:endParaRPr lang="en-US" sz="1600" dirty="0">
-              <a:latin typeface="Arial" pitchFamily="18"/>
-              <a:ea typeface="Microsoft YaHei" pitchFamily="2"/>
-              <a:cs typeface="Lucida Sans" pitchFamily="2"/>
+              <a:latin typeface="Arial" panose="020B0604020202020204" pitchFamily="18"/>
+              <a:ea typeface="Microsoft YaHei" panose="020B0503020204020204" pitchFamily="2" charset="-122"/>
+              <a:cs typeface="Lucida Sans" panose="020B0602030504020204" pitchFamily="2"/>
             </a:endParaRPr>
           </a:p>
         </p:txBody>
@@ -19122,16 +19252,16 @@
             </a:pPr>
             <a:r>
               <a:rPr lang="en-US" sz="1600" dirty="0" smtClean="0">
-                <a:latin typeface="Arial" pitchFamily="18"/>
-                <a:ea typeface="Microsoft YaHei" pitchFamily="2"/>
-                <a:cs typeface="Lucida Sans" pitchFamily="2"/>
+                <a:latin typeface="Arial" panose="020B0604020202020204" pitchFamily="18"/>
+                <a:ea typeface="Microsoft YaHei" panose="020B0503020204020204" pitchFamily="2" charset="-122"/>
+                <a:cs typeface="Lucida Sans" panose="020B0602030504020204" pitchFamily="2"/>
               </a:rPr>
               <a:t>NEXT</a:t>
             </a:r>
             <a:endParaRPr lang="en-US" sz="1600" dirty="0">
-              <a:latin typeface="Arial" pitchFamily="18"/>
-              <a:ea typeface="Microsoft YaHei" pitchFamily="2"/>
-              <a:cs typeface="Lucida Sans" pitchFamily="2"/>
+              <a:latin typeface="Arial" panose="020B0604020202020204" pitchFamily="18"/>
+              <a:ea typeface="Microsoft YaHei" panose="020B0503020204020204" pitchFamily="2" charset="-122"/>
+              <a:cs typeface="Lucida Sans" panose="020B0602030504020204" pitchFamily="2"/>
             </a:endParaRPr>
           </a:p>
         </p:txBody>
@@ -19538,24 +19668,24 @@
             </a:pPr>
             <a:r>
               <a:rPr lang="en-US" sz="1300" dirty="0">
-                <a:latin typeface="Arial" pitchFamily="18"/>
-                <a:ea typeface="Microsoft YaHei" pitchFamily="2"/>
-                <a:cs typeface="Lucida Sans" pitchFamily="2"/>
+                <a:latin typeface="Arial" panose="020B0604020202020204" pitchFamily="18"/>
+                <a:ea typeface="Microsoft YaHei" panose="020B0503020204020204" pitchFamily="2" charset="-122"/>
+                <a:cs typeface="Lucida Sans" panose="020B0602030504020204" pitchFamily="2"/>
               </a:rPr>
               <a:t>A </a:t>
             </a:r>
             <a:r>
               <a:rPr lang="en-US" sz="1300" dirty="0" smtClean="0">
-                <a:latin typeface="Arial" pitchFamily="18"/>
-                <a:ea typeface="Microsoft YaHei" pitchFamily="2"/>
-                <a:cs typeface="Lucida Sans" pitchFamily="2"/>
+                <a:latin typeface="Arial" panose="020B0604020202020204" pitchFamily="18"/>
+                <a:ea typeface="Microsoft YaHei" panose="020B0503020204020204" pitchFamily="2" charset="-122"/>
+                <a:cs typeface="Lucida Sans" panose="020B0602030504020204" pitchFamily="2"/>
               </a:rPr>
               <a:t>118.00 </a:t>
             </a:r>
             <a:endParaRPr lang="en-US" sz="1300" dirty="0">
-              <a:latin typeface="Arial" pitchFamily="18"/>
-              <a:ea typeface="Microsoft YaHei" pitchFamily="2"/>
-              <a:cs typeface="Lucida Sans" pitchFamily="2"/>
+              <a:latin typeface="Arial" panose="020B0604020202020204" pitchFamily="18"/>
+              <a:ea typeface="Microsoft YaHei" panose="020B0503020204020204" pitchFamily="2" charset="-122"/>
+              <a:cs typeface="Lucida Sans" panose="020B0602030504020204" pitchFamily="2"/>
             </a:endParaRPr>
           </a:p>
         </p:txBody>
@@ -19642,24 +19772,24 @@
             </a:pPr>
             <a:r>
               <a:rPr lang="en-US" sz="1300" dirty="0">
-                <a:latin typeface="Arial" pitchFamily="18"/>
-                <a:ea typeface="Microsoft YaHei" pitchFamily="2"/>
-                <a:cs typeface="Lucida Sans" pitchFamily="2"/>
+                <a:latin typeface="Arial" panose="020B0604020202020204" pitchFamily="18"/>
+                <a:ea typeface="Microsoft YaHei" panose="020B0503020204020204" pitchFamily="2" charset="-122"/>
+                <a:cs typeface="Lucida Sans" panose="020B0602030504020204" pitchFamily="2"/>
               </a:rPr>
               <a:t>S </a:t>
             </a:r>
             <a:r>
               <a:rPr lang="en-US" sz="1300" dirty="0" smtClean="0">
-                <a:latin typeface="Arial" pitchFamily="18"/>
-                <a:ea typeface="Microsoft YaHei" pitchFamily="2"/>
-                <a:cs typeface="Lucida Sans" pitchFamily="2"/>
+                <a:latin typeface="Arial" panose="020B0604020202020204" pitchFamily="18"/>
+                <a:ea typeface="Microsoft YaHei" panose="020B0503020204020204" pitchFamily="2" charset="-122"/>
+                <a:cs typeface="Lucida Sans" panose="020B0602030504020204" pitchFamily="2"/>
               </a:rPr>
               <a:t>110.10</a:t>
             </a:r>
             <a:endParaRPr lang="en-US" sz="1300" dirty="0">
-              <a:latin typeface="Arial" pitchFamily="18"/>
-              <a:ea typeface="Microsoft YaHei" pitchFamily="2"/>
-              <a:cs typeface="Lucida Sans" pitchFamily="2"/>
+              <a:latin typeface="Arial" panose="020B0604020202020204" pitchFamily="18"/>
+              <a:ea typeface="Microsoft YaHei" panose="020B0503020204020204" pitchFamily="2" charset="-122"/>
+              <a:cs typeface="Lucida Sans" panose="020B0602030504020204" pitchFamily="2"/>
             </a:endParaRPr>
           </a:p>
         </p:txBody>
@@ -19746,16 +19876,16 @@
             </a:pPr>
             <a:r>
               <a:rPr lang="en-US" sz="1300" dirty="0" smtClean="0">
-                <a:latin typeface="Arial" pitchFamily="18"/>
-                <a:ea typeface="Microsoft YaHei" pitchFamily="2"/>
-                <a:cs typeface="Lucida Sans" pitchFamily="2"/>
+                <a:latin typeface="Arial" panose="020B0604020202020204" pitchFamily="18"/>
+                <a:ea typeface="Microsoft YaHei" panose="020B0503020204020204" pitchFamily="2" charset="-122"/>
+                <a:cs typeface="Lucida Sans" panose="020B0602030504020204" pitchFamily="2"/>
               </a:rPr>
               <a:t>PROG</a:t>
             </a:r>
             <a:endParaRPr lang="en-US" sz="1300" dirty="0">
-              <a:latin typeface="Arial" pitchFamily="18"/>
-              <a:ea typeface="Microsoft YaHei" pitchFamily="2"/>
-              <a:cs typeface="Lucida Sans" pitchFamily="2"/>
+              <a:latin typeface="Arial" panose="020B0604020202020204" pitchFamily="18"/>
+              <a:ea typeface="Microsoft YaHei" panose="020B0503020204020204" pitchFamily="2" charset="-122"/>
+              <a:cs typeface="Lucida Sans" panose="020B0602030504020204" pitchFamily="2"/>
             </a:endParaRPr>
           </a:p>
         </p:txBody>
@@ -20084,8 +20214,11 @@
       </a:bgFillStyleLst>
     </a:fmtScheme>
   </a:themeElements>
-  <a:objectDefaults/>
-  <a:extraClrSchemeLst/>
+  <a:extLst>
+    <a:ext uri="{05A4C25C-085E-4340-85A3-A5531E510DB2}">
+      <thm15:themeFamily xmlns:thm15="http://schemas.microsoft.com/office/thememl/2012/main" name="Office Theme" id="{62F939B6-93AF-4DB8-9C6B-D6C7DFDC589F}" vid="{4A3C46E8-61CC-4603-A589-7422A47A8E4A}"/>
+    </a:ext>
+  </a:extLst>
 </a:theme>
 </file>
 
@@ -20367,7 +20500,10 @@
       </a:bgFillStyleLst>
     </a:fmtScheme>
   </a:themeElements>
-  <a:objectDefaults/>
-  <a:extraClrSchemeLst/>
+  <a:extLst>
+    <a:ext uri="{05A4C25C-085E-4340-85A3-A5531E510DB2}">
+      <thm15:themeFamily xmlns:thm15="http://schemas.microsoft.com/office/thememl/2012/main" name="Office Theme" id="{62F939B6-93AF-4DB8-9C6B-D6C7DFDC589F}" vid="{4A3C46E8-61CC-4603-A589-7422A47A8E4A}"/>
+    </a:ext>
+  </a:extLst>
 </a:theme>
 </file>